--- a/docs/Chekker.pptx
+++ b/docs/Chekker.pptx
@@ -1,6 +1,6 @@
 
 <file path=ppt/presentation.xml><?xml version="1.0" encoding="utf-8"?>
-<p:presentation xmlns:a="http://schemas.openxmlformats.org/drawingml/2006/main" xmlns:r="http://schemas.openxmlformats.org/officeDocument/2006/relationships" xmlns:p="http://schemas.openxmlformats.org/presentationml/2006/main" saveSubsetFonts="1">
+<p:presentation xmlns:a="http://schemas.openxmlformats.org/drawingml/2006/main" xmlns:r="http://schemas.openxmlformats.org/officeDocument/2006/relationships" xmlns:p="http://schemas.openxmlformats.org/presentationml/2006/main" embedTrueTypeFonts="1">
   <p:sldMasterIdLst>
     <p:sldMasterId id="2147483648" r:id="rId1"/>
   </p:sldMasterIdLst>
@@ -18,6 +18,18 @@
   </p:sldIdLst>
   <p:sldSz cx="12192000" cy="6858000"/>
   <p:notesSz cx="6858000" cy="9144000"/>
+  <p:embeddedFontLst>
+    <p:embeddedFont>
+      <p:font typeface="Golos Text VF" pitchFamily="2" charset="0"/>
+      <p:regular r:id="rId12"/>
+      <p:bold r:id="rId13"/>
+    </p:embeddedFont>
+    <p:embeddedFont>
+      <p:font typeface="PT Serif Caption" panose="02060603050505020204" pitchFamily="18" charset="-52"/>
+      <p:regular r:id="rId14"/>
+      <p:italic r:id="rId15"/>
+    </p:embeddedFont>
+  </p:embeddedFontLst>
   <p:defaultTextStyle>
     <a:defPPr>
       <a:defRPr lang="ru-RU"/>
@@ -113,6 +125,11 @@
       </a:defRPr>
     </a:lvl9pPr>
   </p:defaultTextStyle>
+  <p:extLst>
+    <p:ext uri="{EFAFB233-063F-42B5-8137-9DF3F51BA10A}">
+      <p15:sldGuideLst xmlns:p15="http://schemas.microsoft.com/office/powerpoint/2012/main"/>
+    </p:ext>
+  </p:extLst>
 </p:presentation>
 </file>
 

--- a/docs/Chekker.pptx
+++ b/docs/Chekker.pptx
@@ -9,25 +9,28 @@
     <p:sldId id="257" r:id="rId3"/>
     <p:sldId id="258" r:id="rId4"/>
     <p:sldId id="259" r:id="rId5"/>
-    <p:sldId id="260" r:id="rId6"/>
-    <p:sldId id="261" r:id="rId7"/>
-    <p:sldId id="262" r:id="rId8"/>
-    <p:sldId id="263" r:id="rId9"/>
-    <p:sldId id="264" r:id="rId10"/>
-    <p:sldId id="265" r:id="rId11"/>
+    <p:sldId id="268" r:id="rId6"/>
+    <p:sldId id="269" r:id="rId7"/>
+    <p:sldId id="260" r:id="rId8"/>
+    <p:sldId id="266" r:id="rId9"/>
+    <p:sldId id="267" r:id="rId10"/>
+    <p:sldId id="262" r:id="rId11"/>
+    <p:sldId id="263" r:id="rId12"/>
+    <p:sldId id="264" r:id="rId13"/>
+    <p:sldId id="265" r:id="rId14"/>
   </p:sldIdLst>
   <p:sldSz cx="12192000" cy="6858000"/>
   <p:notesSz cx="6858000" cy="9144000"/>
   <p:embeddedFontLst>
     <p:embeddedFont>
       <p:font typeface="Golos Text VF" pitchFamily="2" charset="0"/>
-      <p:regular r:id="rId12"/>
-      <p:bold r:id="rId13"/>
+      <p:regular r:id="rId15"/>
+      <p:bold r:id="rId16"/>
     </p:embeddedFont>
     <p:embeddedFont>
       <p:font typeface="PT Serif Caption" panose="02060603050505020204" pitchFamily="18" charset="-52"/>
-      <p:regular r:id="rId14"/>
-      <p:italic r:id="rId15"/>
+      <p:regular r:id="rId17"/>
+      <p:italic r:id="rId18"/>
     </p:embeddedFont>
   </p:embeddedFontLst>
   <p:defaultTextStyle>
@@ -2476,6 +2479,516 @@
           <p:cNvPr id="2" name="Заголовок 1">
             <a:extLst>
               <a:ext uri="{FF2B5EF4-FFF2-40B4-BE49-F238E27FC236}">
+                <a16:creationId xmlns:a16="http://schemas.microsoft.com/office/drawing/2014/main" id="{AC490688-9FE5-402D-92C3-D274FE6722A0}"/>
+              </a:ext>
+            </a:extLst>
+          </p:cNvPr>
+          <p:cNvSpPr>
+            <a:spLocks noGrp="1"/>
+          </p:cNvSpPr>
+          <p:nvPr>
+            <p:ph type="title"/>
+          </p:nvPr>
+        </p:nvSpPr>
+        <p:spPr>
+          <a:xfrm>
+            <a:off x="838200" y="302979"/>
+            <a:ext cx="10515600" cy="1325563"/>
+          </a:xfrm>
+        </p:spPr>
+        <p:txBody>
+          <a:bodyPr/>
+          <a:lstStyle/>
+          <a:p>
+            <a:r>
+              <a:rPr lang="ru-RU" dirty="0"/>
+              <a:t>Как работает</a:t>
+            </a:r>
+          </a:p>
+        </p:txBody>
+      </p:sp>
+      <p:sp>
+        <p:nvSpPr>
+          <p:cNvPr id="3" name="Объект 2">
+            <a:extLst>
+              <a:ext uri="{FF2B5EF4-FFF2-40B4-BE49-F238E27FC236}">
+                <a16:creationId xmlns:a16="http://schemas.microsoft.com/office/drawing/2014/main" id="{167CE06E-B42F-48F3-9A1D-A2B9AE1A0FC4}"/>
+              </a:ext>
+            </a:extLst>
+          </p:cNvPr>
+          <p:cNvSpPr>
+            <a:spLocks noGrp="1"/>
+          </p:cNvSpPr>
+          <p:nvPr>
+            <p:ph idx="1"/>
+          </p:nvPr>
+        </p:nvSpPr>
+        <p:spPr>
+          <a:xfrm>
+            <a:off x="838200" y="1763478"/>
+            <a:ext cx="10515600" cy="5107835"/>
+          </a:xfrm>
+        </p:spPr>
+        <p:txBody>
+          <a:bodyPr>
+            <a:normAutofit/>
+          </a:bodyPr>
+          <a:lstStyle/>
+          <a:p>
+            <a:pPr marL="0" indent="0">
+              <a:buNone/>
+            </a:pPr>
+            <a:r>
+              <a:rPr lang="en-US" sz="8000" b="1" dirty="0"/>
+              <a:t>Flask</a:t>
+            </a:r>
+            <a:r>
+              <a:rPr lang="en-US" sz="8000" dirty="0"/>
+              <a:t>, </a:t>
+            </a:r>
+            <a:r>
+              <a:rPr lang="en-US" sz="8000" b="1" dirty="0" err="1"/>
+              <a:t>SQLALchemy</a:t>
+            </a:r>
+            <a:r>
+              <a:rPr lang="en-US" sz="8000" b="1" dirty="0"/>
+              <a:t>,</a:t>
+            </a:r>
+            <a:r>
+              <a:rPr lang="en-US" sz="8000" dirty="0"/>
+              <a:t> </a:t>
+            </a:r>
+            <a:r>
+              <a:rPr lang="en-US" sz="4400" dirty="0" err="1"/>
+              <a:t>WTForms</a:t>
+            </a:r>
+            <a:r>
+              <a:rPr lang="en-US" sz="4400" dirty="0"/>
+              <a:t>, Flask-Login, Flask-Assets</a:t>
+            </a:r>
+            <a:r>
+              <a:rPr lang="en-US" dirty="0"/>
+              <a:t>, </a:t>
+            </a:r>
+            <a:r>
+              <a:rPr lang="en-US" sz="3600" dirty="0" err="1"/>
+              <a:t>SQLALchemy</a:t>
+            </a:r>
+            <a:r>
+              <a:rPr lang="en-US" sz="3600" dirty="0"/>
+              <a:t>-serializer, </a:t>
+            </a:r>
+            <a:r>
+              <a:rPr lang="en-US" sz="3600" dirty="0" err="1"/>
+              <a:t>LibSASS</a:t>
+            </a:r>
+            <a:r>
+              <a:rPr lang="en-US" sz="3600" dirty="0"/>
+              <a:t>, </a:t>
+            </a:r>
+          </a:p>
+          <a:p>
+            <a:pPr marL="0" indent="0">
+              <a:buNone/>
+            </a:pPr>
+            <a:r>
+              <a:rPr lang="en-US" sz="3200" dirty="0"/>
+              <a:t>datetime, </a:t>
+            </a:r>
+            <a:r>
+              <a:rPr lang="en-US" sz="3200" dirty="0" err="1"/>
+              <a:t>functools</a:t>
+            </a:r>
+            <a:r>
+              <a:rPr lang="en-US" sz="3200" dirty="0"/>
+              <a:t>, </a:t>
+            </a:r>
+            <a:r>
+              <a:rPr lang="en-US" sz="3200" dirty="0" err="1"/>
+              <a:t>os</a:t>
+            </a:r>
+            <a:endParaRPr lang="en-US" sz="3200" dirty="0"/>
+          </a:p>
+          <a:p>
+            <a:pPr marL="0" indent="0">
+              <a:buNone/>
+            </a:pPr>
+            <a:endParaRPr lang="en-US" sz="3200" dirty="0"/>
+          </a:p>
+          <a:p>
+            <a:pPr marL="0" indent="0">
+              <a:buNone/>
+            </a:pPr>
+            <a:r>
+              <a:rPr lang="ru-RU" sz="3200" dirty="0"/>
+              <a:t>Модели </a:t>
+            </a:r>
+            <a:r>
+              <a:rPr lang="en-US" sz="3200" i="1" dirty="0"/>
+              <a:t>User, </a:t>
+            </a:r>
+            <a:r>
+              <a:rPr lang="en-US" sz="3200" i="1" dirty="0" err="1"/>
+              <a:t>Labour</a:t>
+            </a:r>
+            <a:r>
+              <a:rPr lang="en-US" sz="3200" i="1" dirty="0"/>
+              <a:t>, Test, Answer,</a:t>
+            </a:r>
+            <a:r>
+              <a:rPr lang="en-US" sz="3200" dirty="0"/>
+              <a:t> </a:t>
+            </a:r>
+            <a:r>
+              <a:rPr lang="ru-RU" sz="3200" dirty="0"/>
+              <a:t>промежуточные модели для связи </a:t>
+            </a:r>
+            <a:r>
+              <a:rPr lang="en-US" sz="3200" i="1" dirty="0"/>
+              <a:t>MTM</a:t>
+            </a:r>
+            <a:endParaRPr lang="ru-RU" sz="2400" i="1" dirty="0"/>
+          </a:p>
+        </p:txBody>
+      </p:sp>
+    </p:spTree>
+    <p:extLst>
+      <p:ext uri="{BB962C8B-B14F-4D97-AF65-F5344CB8AC3E}">
+        <p14:creationId xmlns:p14="http://schemas.microsoft.com/office/powerpoint/2010/main" val="624474805"/>
+      </p:ext>
+    </p:extLst>
+  </p:cSld>
+  <p:clrMapOvr>
+    <a:masterClrMapping/>
+  </p:clrMapOvr>
+</p:sld>
+</file>
+
+<file path=ppt/slides/slide11.xml><?xml version="1.0" encoding="utf-8"?>
+<p:sld xmlns:a="http://schemas.openxmlformats.org/drawingml/2006/main" xmlns:r="http://schemas.openxmlformats.org/officeDocument/2006/relationships" xmlns:p="http://schemas.openxmlformats.org/presentationml/2006/main">
+  <p:cSld>
+    <p:spTree>
+      <p:nvGrpSpPr>
+        <p:cNvPr id="1" name=""/>
+        <p:cNvGrpSpPr/>
+        <p:nvPr/>
+      </p:nvGrpSpPr>
+      <p:grpSpPr>
+        <a:xfrm>
+          <a:off x="0" y="0"/>
+          <a:ext cx="0" cy="0"/>
+          <a:chOff x="0" y="0"/>
+          <a:chExt cx="0" cy="0"/>
+        </a:xfrm>
+      </p:grpSpPr>
+      <p:pic>
+        <p:nvPicPr>
+          <p:cNvPr id="4" name="Рисунок 3">
+            <a:extLst>
+              <a:ext uri="{FF2B5EF4-FFF2-40B4-BE49-F238E27FC236}">
+                <a16:creationId xmlns:a16="http://schemas.microsoft.com/office/drawing/2014/main" id="{85B5446D-F07A-4BCB-8BD8-A57E74D01986}"/>
+              </a:ext>
+            </a:extLst>
+          </p:cNvPr>
+          <p:cNvPicPr>
+            <a:picLocks noChangeAspect="1"/>
+          </p:cNvPicPr>
+          <p:nvPr/>
+        </p:nvPicPr>
+        <p:blipFill>
+          <a:blip r:embed="rId2">
+            <a:extLst>
+              <a:ext uri="{28A0092B-C50C-407E-A947-70E740481C1C}">
+                <a14:useLocalDpi xmlns:a14="http://schemas.microsoft.com/office/drawing/2010/main" val="0"/>
+              </a:ext>
+            </a:extLst>
+          </a:blip>
+          <a:stretch>
+            <a:fillRect/>
+          </a:stretch>
+        </p:blipFill>
+        <p:spPr>
+          <a:xfrm>
+            <a:off x="0" y="3429000"/>
+            <a:ext cx="3760788" cy="3760788"/>
+          </a:xfrm>
+          <a:prstGeom prst="rect">
+            <a:avLst/>
+          </a:prstGeom>
+        </p:spPr>
+      </p:pic>
+      <p:sp>
+        <p:nvSpPr>
+          <p:cNvPr id="2" name="Заголовок 1">
+            <a:extLst>
+              <a:ext uri="{FF2B5EF4-FFF2-40B4-BE49-F238E27FC236}">
+                <a16:creationId xmlns:a16="http://schemas.microsoft.com/office/drawing/2014/main" id="{AC490688-9FE5-402D-92C3-D274FE6722A0}"/>
+              </a:ext>
+            </a:extLst>
+          </p:cNvPr>
+          <p:cNvSpPr>
+            <a:spLocks noGrp="1"/>
+          </p:cNvSpPr>
+          <p:nvPr>
+            <p:ph type="title"/>
+          </p:nvPr>
+        </p:nvSpPr>
+        <p:spPr>
+          <a:xfrm>
+            <a:off x="838200" y="302979"/>
+            <a:ext cx="10515600" cy="1325563"/>
+          </a:xfrm>
+        </p:spPr>
+        <p:txBody>
+          <a:bodyPr/>
+          <a:lstStyle/>
+          <a:p>
+            <a:r>
+              <a:rPr lang="ru-RU" dirty="0"/>
+              <a:t>Что дальше</a:t>
+            </a:r>
+          </a:p>
+        </p:txBody>
+      </p:sp>
+      <p:sp>
+        <p:nvSpPr>
+          <p:cNvPr id="3" name="Объект 2">
+            <a:extLst>
+              <a:ext uri="{FF2B5EF4-FFF2-40B4-BE49-F238E27FC236}">
+                <a16:creationId xmlns:a16="http://schemas.microsoft.com/office/drawing/2014/main" id="{167CE06E-B42F-48F3-9A1D-A2B9AE1A0FC4}"/>
+              </a:ext>
+            </a:extLst>
+          </p:cNvPr>
+          <p:cNvSpPr>
+            <a:spLocks noGrp="1"/>
+          </p:cNvSpPr>
+          <p:nvPr>
+            <p:ph idx="1"/>
+          </p:nvPr>
+        </p:nvSpPr>
+        <p:spPr>
+          <a:xfrm>
+            <a:off x="838200" y="1763478"/>
+            <a:ext cx="10515600" cy="5107835"/>
+          </a:xfrm>
+        </p:spPr>
+        <p:txBody>
+          <a:bodyPr>
+            <a:normAutofit/>
+          </a:bodyPr>
+          <a:lstStyle/>
+          <a:p>
+            <a:pPr marL="0" indent="0">
+              <a:buNone/>
+            </a:pPr>
+            <a:r>
+              <a:rPr lang="ru-RU" dirty="0"/>
+              <a:t>— Тестирование, адаптация под запросы </a:t>
+            </a:r>
+            <a:r>
+              <a:rPr lang="ru-RU" dirty="0" err="1"/>
+              <a:t>пользовате</a:t>
+            </a:r>
+            <a:r>
+              <a:rPr lang="ru-RU" dirty="0"/>
+              <a:t>-лей, чтобы сделать всё ещё удобнее. Только так платформа сможет стать полезной.</a:t>
+            </a:r>
+          </a:p>
+          <a:p>
+            <a:pPr marL="0" indent="0">
+              <a:buNone/>
+            </a:pPr>
+            <a:endParaRPr lang="ru-RU" dirty="0"/>
+          </a:p>
+          <a:p>
+            <a:pPr marL="0" indent="0">
+              <a:buNone/>
+            </a:pPr>
+            <a:r>
+              <a:rPr lang="ru-RU" dirty="0"/>
+              <a:t>— Развитие функциональности — новые типы ответов, группировка пользователей в классы, управление доступами к разным работам разными классами.</a:t>
+            </a:r>
+          </a:p>
+          <a:p>
+            <a:pPr marL="0" indent="0">
+              <a:buNone/>
+            </a:pPr>
+            <a:endParaRPr lang="ru-RU" dirty="0"/>
+          </a:p>
+          <a:p>
+            <a:pPr marL="0" indent="0">
+              <a:buNone/>
+            </a:pPr>
+            <a:r>
+              <a:rPr lang="ru-RU" dirty="0"/>
+              <a:t>— Масштабирование продукта на всю школу, интеграция платформы в учебный процесс.</a:t>
+            </a:r>
+          </a:p>
+        </p:txBody>
+      </p:sp>
+    </p:spTree>
+    <p:extLst>
+      <p:ext uri="{BB962C8B-B14F-4D97-AF65-F5344CB8AC3E}">
+        <p14:creationId xmlns:p14="http://schemas.microsoft.com/office/powerpoint/2010/main" val="362335759"/>
+      </p:ext>
+    </p:extLst>
+  </p:cSld>
+  <p:clrMapOvr>
+    <a:masterClrMapping/>
+  </p:clrMapOvr>
+</p:sld>
+</file>
+
+<file path=ppt/slides/slide12.xml><?xml version="1.0" encoding="utf-8"?>
+<p:sld xmlns:a="http://schemas.openxmlformats.org/drawingml/2006/main" xmlns:r="http://schemas.openxmlformats.org/officeDocument/2006/relationships" xmlns:p="http://schemas.openxmlformats.org/presentationml/2006/main">
+  <p:cSld>
+    <p:spTree>
+      <p:nvGrpSpPr>
+        <p:cNvPr id="1" name=""/>
+        <p:cNvGrpSpPr/>
+        <p:nvPr/>
+      </p:nvGrpSpPr>
+      <p:grpSpPr>
+        <a:xfrm>
+          <a:off x="0" y="0"/>
+          <a:ext cx="0" cy="0"/>
+          <a:chOff x="0" y="0"/>
+          <a:chExt cx="0" cy="0"/>
+        </a:xfrm>
+      </p:grpSpPr>
+      <p:sp>
+        <p:nvSpPr>
+          <p:cNvPr id="2" name="Заголовок 1">
+            <a:extLst>
+              <a:ext uri="{FF2B5EF4-FFF2-40B4-BE49-F238E27FC236}">
+                <a16:creationId xmlns:a16="http://schemas.microsoft.com/office/drawing/2014/main" id="{AC490688-9FE5-402D-92C3-D274FE6722A0}"/>
+              </a:ext>
+            </a:extLst>
+          </p:cNvPr>
+          <p:cNvSpPr>
+            <a:spLocks noGrp="1"/>
+          </p:cNvSpPr>
+          <p:nvPr>
+            <p:ph type="title"/>
+          </p:nvPr>
+        </p:nvSpPr>
+        <p:spPr>
+          <a:xfrm>
+            <a:off x="838200" y="302979"/>
+            <a:ext cx="10515600" cy="1325563"/>
+          </a:xfrm>
+        </p:spPr>
+        <p:txBody>
+          <a:bodyPr/>
+          <a:lstStyle/>
+          <a:p>
+            <a:r>
+              <a:rPr lang="ru-RU" dirty="0"/>
+              <a:t>Вывод</a:t>
+            </a:r>
+          </a:p>
+        </p:txBody>
+      </p:sp>
+      <p:sp>
+        <p:nvSpPr>
+          <p:cNvPr id="3" name="Объект 2">
+            <a:extLst>
+              <a:ext uri="{FF2B5EF4-FFF2-40B4-BE49-F238E27FC236}">
+                <a16:creationId xmlns:a16="http://schemas.microsoft.com/office/drawing/2014/main" id="{167CE06E-B42F-48F3-9A1D-A2B9AE1A0FC4}"/>
+              </a:ext>
+            </a:extLst>
+          </p:cNvPr>
+          <p:cNvSpPr>
+            <a:spLocks noGrp="1"/>
+          </p:cNvSpPr>
+          <p:nvPr>
+            <p:ph idx="1"/>
+          </p:nvPr>
+        </p:nvSpPr>
+        <p:spPr>
+          <a:xfrm>
+            <a:off x="838200" y="1763478"/>
+            <a:ext cx="10515600" cy="5107835"/>
+          </a:xfrm>
+        </p:spPr>
+        <p:txBody>
+          <a:bodyPr>
+            <a:normAutofit/>
+          </a:bodyPr>
+          <a:lstStyle/>
+          <a:p>
+            <a:pPr marL="0" indent="0">
+              <a:buNone/>
+            </a:pPr>
+            <a:r>
+              <a:rPr lang="en-US" dirty="0"/>
+              <a:t>Chekker — </a:t>
+            </a:r>
+            <a:r>
+              <a:rPr lang="ru-RU" dirty="0"/>
+              <a:t>это не «учебный» и не «фантастический» проект. Если развивать его, он действительно может решать настоящую задачу.</a:t>
+            </a:r>
+          </a:p>
+          <a:p>
+            <a:pPr marL="0" indent="0">
+              <a:buNone/>
+            </a:pPr>
+            <a:endParaRPr lang="ru-RU" dirty="0"/>
+          </a:p>
+          <a:p>
+            <a:pPr marL="0" indent="0">
+              <a:buNone/>
+            </a:pPr>
+            <a:r>
+              <a:rPr lang="ru-RU" dirty="0"/>
+              <a:t>Главное — сохранить основные принципы</a:t>
+            </a:r>
+            <a:r>
+              <a:rPr lang="en-US" dirty="0"/>
+              <a:t>:</a:t>
+            </a:r>
+            <a:r>
+              <a:rPr lang="ru-RU" dirty="0"/>
+              <a:t> удобство и простоту в использовании.</a:t>
+            </a:r>
+          </a:p>
+        </p:txBody>
+      </p:sp>
+    </p:spTree>
+    <p:extLst>
+      <p:ext uri="{BB962C8B-B14F-4D97-AF65-F5344CB8AC3E}">
+        <p14:creationId xmlns:p14="http://schemas.microsoft.com/office/powerpoint/2010/main" val="1053065404"/>
+      </p:ext>
+    </p:extLst>
+  </p:cSld>
+  <p:clrMapOvr>
+    <a:masterClrMapping/>
+  </p:clrMapOvr>
+</p:sld>
+</file>
+
+<file path=ppt/slides/slide13.xml><?xml version="1.0" encoding="utf-8"?>
+<p:sld xmlns:a="http://schemas.openxmlformats.org/drawingml/2006/main" xmlns:r="http://schemas.openxmlformats.org/officeDocument/2006/relationships" xmlns:p="http://schemas.openxmlformats.org/presentationml/2006/main">
+  <p:cSld>
+    <p:spTree>
+      <p:nvGrpSpPr>
+        <p:cNvPr id="1" name=""/>
+        <p:cNvGrpSpPr/>
+        <p:nvPr/>
+      </p:nvGrpSpPr>
+      <p:grpSpPr>
+        <a:xfrm>
+          <a:off x="0" y="0"/>
+          <a:ext cx="0" cy="0"/>
+          <a:chOff x="0" y="0"/>
+          <a:chExt cx="0" cy="0"/>
+        </a:xfrm>
+      </p:grpSpPr>
+      <p:sp>
+        <p:nvSpPr>
+          <p:cNvPr id="2" name="Заголовок 1">
+            <a:extLst>
+              <a:ext uri="{FF2B5EF4-FFF2-40B4-BE49-F238E27FC236}">
                 <a16:creationId xmlns:a16="http://schemas.microsoft.com/office/drawing/2014/main" id="{82EBA56A-EA18-4B04-9428-42E69905FEA4}"/>
               </a:ext>
             </a:extLst>
@@ -2846,10 +3359,10 @@
       </p:grpSpPr>
       <p:pic>
         <p:nvPicPr>
-          <p:cNvPr id="5" name="Рисунок 4">
-            <a:extLst>
-              <a:ext uri="{FF2B5EF4-FFF2-40B4-BE49-F238E27FC236}">
-                <a16:creationId xmlns:a16="http://schemas.microsoft.com/office/drawing/2014/main" id="{8D51FA0E-B256-406A-A121-0D392EBFD8FF}"/>
+          <p:cNvPr id="3" name="Рисунок 2">
+            <a:extLst>
+              <a:ext uri="{FF2B5EF4-FFF2-40B4-BE49-F238E27FC236}">
+                <a16:creationId xmlns:a16="http://schemas.microsoft.com/office/drawing/2014/main" id="{6E53964B-D15A-45E2-B2FD-D0C39F474BF6}"/>
               </a:ext>
             </a:extLst>
           </p:cNvPr>
@@ -2866,8 +3379,8 @@
         </p:blipFill>
         <p:spPr>
           <a:xfrm>
-            <a:off x="0" y="457813"/>
-            <a:ext cx="12192000" cy="5942374"/>
+            <a:off x="0" y="0"/>
+            <a:ext cx="12192000" cy="8102600"/>
           </a:xfrm>
           <a:prstGeom prst="rect">
             <a:avLst/>
@@ -2906,68 +3419,102 @@
       </p:grpSpPr>
       <p:pic>
         <p:nvPicPr>
-          <p:cNvPr id="7" name="Рисунок 6">
-            <a:extLst>
-              <a:ext uri="{FF2B5EF4-FFF2-40B4-BE49-F238E27FC236}">
-                <a16:creationId xmlns:a16="http://schemas.microsoft.com/office/drawing/2014/main" id="{58D65BA6-BD62-4455-8F3C-F3747A271C54}"/>
+          <p:cNvPr id="1026" name="Picture 2">
+            <a:extLst>
+              <a:ext uri="{FF2B5EF4-FFF2-40B4-BE49-F238E27FC236}">
+                <a16:creationId xmlns:a16="http://schemas.microsoft.com/office/drawing/2014/main" id="{8CEA8A9E-A590-4762-8769-1051A1B0816E}"/>
               </a:ext>
             </a:extLst>
           </p:cNvPr>
           <p:cNvPicPr>
-            <a:picLocks noChangeAspect="1"/>
+            <a:picLocks noChangeAspect="1" noChangeArrowheads="1"/>
           </p:cNvPicPr>
           <p:nvPr/>
         </p:nvPicPr>
         <p:blipFill>
-          <a:blip r:embed="rId2"/>
+          <a:blip r:embed="rId2">
+            <a:extLst>
+              <a:ext uri="{28A0092B-C50C-407E-A947-70E740481C1C}">
+                <a14:useLocalDpi xmlns:a14="http://schemas.microsoft.com/office/drawing/2010/main" val="0"/>
+              </a:ext>
+            </a:extLst>
+          </a:blip>
+          <a:srcRect/>
           <a:stretch>
             <a:fillRect/>
           </a:stretch>
         </p:blipFill>
-        <p:spPr>
-          <a:xfrm>
-            <a:off x="5500005" y="490126"/>
-            <a:ext cx="6554115" cy="5877745"/>
+        <p:spPr bwMode="auto">
+          <a:xfrm>
+            <a:off x="260288" y="0"/>
+            <a:ext cx="6272213" cy="6858000"/>
           </a:xfrm>
           <a:prstGeom prst="rect">
             <a:avLst/>
           </a:prstGeom>
+          <a:noFill/>
+          <a:extLst>
+            <a:ext uri="{909E8E84-426E-40DD-AFC4-6F175D3DCCD1}">
+              <a14:hiddenFill xmlns:a14="http://schemas.microsoft.com/office/drawing/2010/main">
+                <a:solidFill>
+                  <a:srgbClr val="FFFFFF"/>
+                </a:solidFill>
+              </a14:hiddenFill>
+            </a:ext>
+          </a:extLst>
         </p:spPr>
       </p:pic>
       <p:pic>
         <p:nvPicPr>
-          <p:cNvPr id="9" name="Рисунок 8">
-            <a:extLst>
-              <a:ext uri="{FF2B5EF4-FFF2-40B4-BE49-F238E27FC236}">
-                <a16:creationId xmlns:a16="http://schemas.microsoft.com/office/drawing/2014/main" id="{EDBEC15C-F94E-4225-B553-7B693997D4C3}"/>
+          <p:cNvPr id="1028" name="Picture 4">
+            <a:extLst>
+              <a:ext uri="{FF2B5EF4-FFF2-40B4-BE49-F238E27FC236}">
+                <a16:creationId xmlns:a16="http://schemas.microsoft.com/office/drawing/2014/main" id="{F6EB8462-57FD-448A-828D-EA157B9E2F89}"/>
               </a:ext>
             </a:extLst>
           </p:cNvPr>
           <p:cNvPicPr>
-            <a:picLocks noChangeAspect="1"/>
+            <a:picLocks noChangeAspect="1" noChangeArrowheads="1"/>
           </p:cNvPicPr>
           <p:nvPr/>
         </p:nvPicPr>
         <p:blipFill>
-          <a:blip r:embed="rId3"/>
+          <a:blip r:embed="rId3">
+            <a:extLst>
+              <a:ext uri="{28A0092B-C50C-407E-A947-70E740481C1C}">
+                <a14:useLocalDpi xmlns:a14="http://schemas.microsoft.com/office/drawing/2010/main" val="0"/>
+              </a:ext>
+            </a:extLst>
+          </a:blip>
+          <a:srcRect/>
           <a:stretch>
             <a:fillRect/>
           </a:stretch>
         </p:blipFill>
-        <p:spPr>
-          <a:xfrm>
-            <a:off x="396542" y="966443"/>
-            <a:ext cx="5715798" cy="4925112"/>
+        <p:spPr bwMode="auto">
+          <a:xfrm>
+            <a:off x="6532501" y="-79899"/>
+            <a:ext cx="5081587" cy="6858000"/>
           </a:xfrm>
           <a:prstGeom prst="rect">
             <a:avLst/>
           </a:prstGeom>
+          <a:noFill/>
+          <a:extLst>
+            <a:ext uri="{909E8E84-426E-40DD-AFC4-6F175D3DCCD1}">
+              <a14:hiddenFill xmlns:a14="http://schemas.microsoft.com/office/drawing/2010/main">
+                <a:solidFill>
+                  <a:srgbClr val="FFFFFF"/>
+                </a:solidFill>
+              </a14:hiddenFill>
+            </a:ext>
+          </a:extLst>
         </p:spPr>
       </p:pic>
     </p:spTree>
     <p:extLst>
       <p:ext uri="{BB962C8B-B14F-4D97-AF65-F5344CB8AC3E}">
-        <p14:creationId xmlns:p14="http://schemas.microsoft.com/office/powerpoint/2010/main" val="1484086422"/>
+        <p14:creationId xmlns:p14="http://schemas.microsoft.com/office/powerpoint/2010/main" val="1431528286"/>
       </p:ext>
     </p:extLst>
   </p:cSld>
@@ -2994,10 +3541,40 @@
           <a:chExt cx="0" cy="0"/>
         </a:xfrm>
       </p:grpSpPr>
+      <p:pic>
+        <p:nvPicPr>
+          <p:cNvPr id="5" name="Рисунок 4">
+            <a:extLst>
+              <a:ext uri="{FF2B5EF4-FFF2-40B4-BE49-F238E27FC236}">
+                <a16:creationId xmlns:a16="http://schemas.microsoft.com/office/drawing/2014/main" id="{09446C7E-D844-4DC1-8481-1F3EB2E97EC0}"/>
+              </a:ext>
+            </a:extLst>
+          </p:cNvPr>
+          <p:cNvPicPr>
+            <a:picLocks noChangeAspect="1"/>
+          </p:cNvPicPr>
+          <p:nvPr/>
+        </p:nvPicPr>
+        <p:blipFill>
+          <a:blip r:embed="rId2"/>
+          <a:stretch>
+            <a:fillRect/>
+          </a:stretch>
+        </p:blipFill>
+        <p:spPr>
+          <a:xfrm>
+            <a:off x="0" y="0"/>
+            <a:ext cx="12192000" cy="6305550"/>
+          </a:xfrm>
+          <a:prstGeom prst="rect">
+            <a:avLst/>
+          </a:prstGeom>
+        </p:spPr>
+      </p:pic>
     </p:spTree>
     <p:extLst>
       <p:ext uri="{BB962C8B-B14F-4D97-AF65-F5344CB8AC3E}">
-        <p14:creationId xmlns:p14="http://schemas.microsoft.com/office/powerpoint/2010/main" val="1361462780"/>
+        <p14:creationId xmlns:p14="http://schemas.microsoft.com/office/powerpoint/2010/main" val="2058518326"/>
       </p:ext>
     </p:extLst>
   </p:cSld>
@@ -3024,187 +3601,70 @@
           <a:chExt cx="0" cy="0"/>
         </a:xfrm>
       </p:grpSpPr>
-      <p:sp>
-        <p:nvSpPr>
-          <p:cNvPr id="2" name="Заголовок 1">
-            <a:extLst>
-              <a:ext uri="{FF2B5EF4-FFF2-40B4-BE49-F238E27FC236}">
-                <a16:creationId xmlns:a16="http://schemas.microsoft.com/office/drawing/2014/main" id="{AC490688-9FE5-402D-92C3-D274FE6722A0}"/>
-              </a:ext>
-            </a:extLst>
-          </p:cNvPr>
-          <p:cNvSpPr>
-            <a:spLocks noGrp="1"/>
-          </p:cNvSpPr>
-          <p:nvPr>
-            <p:ph type="title"/>
-          </p:nvPr>
-        </p:nvSpPr>
-        <p:spPr>
-          <a:xfrm>
-            <a:off x="838200" y="302979"/>
-            <a:ext cx="10515600" cy="1325563"/>
-          </a:xfrm>
-        </p:spPr>
-        <p:txBody>
-          <a:bodyPr/>
-          <a:lstStyle/>
-          <a:p>
-            <a:r>
-              <a:rPr lang="ru-RU" dirty="0"/>
-              <a:t>Как работает</a:t>
-            </a:r>
-          </a:p>
-        </p:txBody>
-      </p:sp>
-      <p:sp>
-        <p:nvSpPr>
-          <p:cNvPr id="3" name="Объект 2">
-            <a:extLst>
-              <a:ext uri="{FF2B5EF4-FFF2-40B4-BE49-F238E27FC236}">
-                <a16:creationId xmlns:a16="http://schemas.microsoft.com/office/drawing/2014/main" id="{167CE06E-B42F-48F3-9A1D-A2B9AE1A0FC4}"/>
-              </a:ext>
-            </a:extLst>
-          </p:cNvPr>
-          <p:cNvSpPr>
-            <a:spLocks noGrp="1"/>
-          </p:cNvSpPr>
-          <p:nvPr>
-            <p:ph idx="1"/>
-          </p:nvPr>
-        </p:nvSpPr>
-        <p:spPr>
-          <a:xfrm>
-            <a:off x="838200" y="1763478"/>
-            <a:ext cx="10515600" cy="5107835"/>
-          </a:xfrm>
-        </p:spPr>
-        <p:txBody>
-          <a:bodyPr>
-            <a:normAutofit/>
-          </a:bodyPr>
-          <a:lstStyle/>
-          <a:p>
-            <a:pPr marL="0" indent="0">
-              <a:buNone/>
-            </a:pPr>
-            <a:r>
-              <a:rPr lang="en-US" sz="8000" b="1" dirty="0"/>
-              <a:t>Flask</a:t>
-            </a:r>
-            <a:r>
-              <a:rPr lang="en-US" sz="8000" dirty="0"/>
-              <a:t>, </a:t>
-            </a:r>
-            <a:r>
-              <a:rPr lang="en-US" sz="8000" b="1" dirty="0" err="1"/>
-              <a:t>SQLALchemy</a:t>
-            </a:r>
-            <a:r>
-              <a:rPr lang="en-US" sz="8000" b="1" dirty="0"/>
-              <a:t>,</a:t>
-            </a:r>
-            <a:r>
-              <a:rPr lang="en-US" sz="8000" dirty="0"/>
-              <a:t> </a:t>
-            </a:r>
-            <a:r>
-              <a:rPr lang="en-US" sz="4400" dirty="0" err="1"/>
-              <a:t>WTForms</a:t>
-            </a:r>
-            <a:r>
-              <a:rPr lang="en-US" sz="4400" dirty="0"/>
-              <a:t>, Flask-Login, Flask-Assets</a:t>
-            </a:r>
-            <a:r>
-              <a:rPr lang="en-US" dirty="0"/>
-              <a:t>, </a:t>
-            </a:r>
-            <a:r>
-              <a:rPr lang="en-US" sz="3600" dirty="0" err="1"/>
-              <a:t>SQLALchemy</a:t>
-            </a:r>
-            <a:r>
-              <a:rPr lang="en-US" sz="3600" dirty="0"/>
-              <a:t>-serializer, </a:t>
-            </a:r>
-            <a:r>
-              <a:rPr lang="en-US" sz="3600" dirty="0" err="1"/>
-              <a:t>LibSASS</a:t>
-            </a:r>
-            <a:r>
-              <a:rPr lang="en-US" sz="3600" dirty="0"/>
-              <a:t>, </a:t>
-            </a:r>
-          </a:p>
-          <a:p>
-            <a:pPr marL="0" indent="0">
-              <a:buNone/>
-            </a:pPr>
-            <a:r>
-              <a:rPr lang="en-US" sz="3200" dirty="0"/>
-              <a:t>datetime, </a:t>
-            </a:r>
-            <a:r>
-              <a:rPr lang="en-US" sz="3200" dirty="0" err="1"/>
-              <a:t>functools</a:t>
-            </a:r>
-            <a:r>
-              <a:rPr lang="en-US" sz="3200" dirty="0"/>
-              <a:t>, </a:t>
-            </a:r>
-            <a:r>
-              <a:rPr lang="en-US" sz="3200" dirty="0" err="1"/>
-              <a:t>os</a:t>
-            </a:r>
-            <a:endParaRPr lang="en-US" sz="3200" dirty="0"/>
-          </a:p>
-          <a:p>
-            <a:pPr marL="0" indent="0">
-              <a:buNone/>
-            </a:pPr>
-            <a:endParaRPr lang="en-US" sz="3200" dirty="0"/>
-          </a:p>
-          <a:p>
-            <a:pPr marL="0" indent="0">
-              <a:buNone/>
-            </a:pPr>
-            <a:r>
-              <a:rPr lang="ru-RU" sz="3200" dirty="0"/>
-              <a:t>Модели </a:t>
-            </a:r>
-            <a:r>
-              <a:rPr lang="en-US" sz="3200" i="1" dirty="0"/>
-              <a:t>User, </a:t>
-            </a:r>
-            <a:r>
-              <a:rPr lang="en-US" sz="3200" i="1" dirty="0" err="1"/>
-              <a:t>Labour</a:t>
-            </a:r>
-            <a:r>
-              <a:rPr lang="en-US" sz="3200" i="1" dirty="0"/>
-              <a:t>, Test, Answer,</a:t>
-            </a:r>
-            <a:r>
-              <a:rPr lang="en-US" sz="3200" dirty="0"/>
-              <a:t> </a:t>
-            </a:r>
-            <a:r>
-              <a:rPr lang="ru-RU" sz="3200" dirty="0"/>
-              <a:t>промежуточные модели для связи </a:t>
-            </a:r>
-            <a:r>
-              <a:rPr lang="en-US" sz="3200" i="1" dirty="0"/>
-              <a:t>MTM</a:t>
-            </a:r>
-            <a:endParaRPr lang="ru-RU" sz="2400" i="1" dirty="0"/>
-          </a:p>
-        </p:txBody>
-      </p:sp>
+      <p:pic>
+        <p:nvPicPr>
+          <p:cNvPr id="7" name="Рисунок 6">
+            <a:extLst>
+              <a:ext uri="{FF2B5EF4-FFF2-40B4-BE49-F238E27FC236}">
+                <a16:creationId xmlns:a16="http://schemas.microsoft.com/office/drawing/2014/main" id="{58D65BA6-BD62-4455-8F3C-F3747A271C54}"/>
+              </a:ext>
+            </a:extLst>
+          </p:cNvPr>
+          <p:cNvPicPr>
+            <a:picLocks noChangeAspect="1"/>
+          </p:cNvPicPr>
+          <p:nvPr/>
+        </p:nvPicPr>
+        <p:blipFill>
+          <a:blip r:embed="rId2"/>
+          <a:stretch>
+            <a:fillRect/>
+          </a:stretch>
+        </p:blipFill>
+        <p:spPr>
+          <a:xfrm>
+            <a:off x="5500005" y="490126"/>
+            <a:ext cx="6554115" cy="5877745"/>
+          </a:xfrm>
+          <a:prstGeom prst="rect">
+            <a:avLst/>
+          </a:prstGeom>
+        </p:spPr>
+      </p:pic>
+      <p:pic>
+        <p:nvPicPr>
+          <p:cNvPr id="9" name="Рисунок 8">
+            <a:extLst>
+              <a:ext uri="{FF2B5EF4-FFF2-40B4-BE49-F238E27FC236}">
+                <a16:creationId xmlns:a16="http://schemas.microsoft.com/office/drawing/2014/main" id="{EDBEC15C-F94E-4225-B553-7B693997D4C3}"/>
+              </a:ext>
+            </a:extLst>
+          </p:cNvPr>
+          <p:cNvPicPr>
+            <a:picLocks noChangeAspect="1"/>
+          </p:cNvPicPr>
+          <p:nvPr/>
+        </p:nvPicPr>
+        <p:blipFill>
+          <a:blip r:embed="rId3"/>
+          <a:stretch>
+            <a:fillRect/>
+          </a:stretch>
+        </p:blipFill>
+        <p:spPr>
+          <a:xfrm>
+            <a:off x="396542" y="966443"/>
+            <a:ext cx="5715798" cy="4925112"/>
+          </a:xfrm>
+          <a:prstGeom prst="rect">
+            <a:avLst/>
+          </a:prstGeom>
+        </p:spPr>
+      </p:pic>
     </p:spTree>
     <p:extLst>
       <p:ext uri="{BB962C8B-B14F-4D97-AF65-F5344CB8AC3E}">
-        <p14:creationId xmlns:p14="http://schemas.microsoft.com/office/powerpoint/2010/main" val="624474805"/>
+        <p14:creationId xmlns:p14="http://schemas.microsoft.com/office/powerpoint/2010/main" val="1484086422"/>
       </p:ext>
     </p:extLst>
   </p:cSld>
@@ -3233,10 +3693,68 @@
       </p:grpSpPr>
       <p:pic>
         <p:nvPicPr>
-          <p:cNvPr id="4" name="Рисунок 3">
-            <a:extLst>
-              <a:ext uri="{FF2B5EF4-FFF2-40B4-BE49-F238E27FC236}">
-                <a16:creationId xmlns:a16="http://schemas.microsoft.com/office/drawing/2014/main" id="{85B5446D-F07A-4BCB-8BD8-A57E74D01986}"/>
+          <p:cNvPr id="5" name="Рисунок 4">
+            <a:extLst>
+              <a:ext uri="{FF2B5EF4-FFF2-40B4-BE49-F238E27FC236}">
+                <a16:creationId xmlns:a16="http://schemas.microsoft.com/office/drawing/2014/main" id="{7A99EF47-1F3C-4661-B2FA-E4B2562DFEC9}"/>
+              </a:ext>
+            </a:extLst>
+          </p:cNvPr>
+          <p:cNvPicPr>
+            <a:picLocks noChangeAspect="1"/>
+          </p:cNvPicPr>
+          <p:nvPr/>
+        </p:nvPicPr>
+        <p:blipFill rotWithShape="1">
+          <a:blip r:embed="rId2"/>
+          <a:srcRect r="29604"/>
+          <a:stretch/>
+        </p:blipFill>
+        <p:spPr>
+          <a:xfrm>
+            <a:off x="198955" y="0"/>
+            <a:ext cx="4790295" cy="6858000"/>
+          </a:xfrm>
+          <a:prstGeom prst="rect">
+            <a:avLst/>
+          </a:prstGeom>
+        </p:spPr>
+      </p:pic>
+      <p:pic>
+        <p:nvPicPr>
+          <p:cNvPr id="7" name="Рисунок 6">
+            <a:extLst>
+              <a:ext uri="{FF2B5EF4-FFF2-40B4-BE49-F238E27FC236}">
+                <a16:creationId xmlns:a16="http://schemas.microsoft.com/office/drawing/2014/main" id="{C1469BD2-B82C-4E49-A97D-9E2CF5CFD682}"/>
+              </a:ext>
+            </a:extLst>
+          </p:cNvPr>
+          <p:cNvPicPr>
+            <a:picLocks noChangeAspect="1"/>
+          </p:cNvPicPr>
+          <p:nvPr/>
+        </p:nvPicPr>
+        <p:blipFill rotWithShape="1">
+          <a:blip r:embed="rId3"/>
+          <a:srcRect t="17273" b="16172"/>
+          <a:stretch/>
+        </p:blipFill>
+        <p:spPr>
+          <a:xfrm>
+            <a:off x="5363055" y="301841"/>
+            <a:ext cx="6302534" cy="3488925"/>
+          </a:xfrm>
+          <a:prstGeom prst="rect">
+            <a:avLst/>
+          </a:prstGeom>
+        </p:spPr>
+      </p:pic>
+      <p:pic>
+        <p:nvPicPr>
+          <p:cNvPr id="9" name="Рисунок 8">
+            <a:extLst>
+              <a:ext uri="{FF2B5EF4-FFF2-40B4-BE49-F238E27FC236}">
+                <a16:creationId xmlns:a16="http://schemas.microsoft.com/office/drawing/2014/main" id="{3AD75CBD-4C09-4968-8B13-4431937A6F17}"/>
               </a:ext>
             </a:extLst>
           </p:cNvPr>
@@ -3246,140 +3764,25 @@
           <p:nvPr/>
         </p:nvPicPr>
         <p:blipFill>
-          <a:blip r:embed="rId2">
-            <a:extLst>
-              <a:ext uri="{28A0092B-C50C-407E-A947-70E740481C1C}">
-                <a14:useLocalDpi xmlns:a14="http://schemas.microsoft.com/office/drawing/2010/main" val="0"/>
-              </a:ext>
-            </a:extLst>
-          </a:blip>
+          <a:blip r:embed="rId4"/>
           <a:stretch>
             <a:fillRect/>
           </a:stretch>
         </p:blipFill>
         <p:spPr>
           <a:xfrm>
-            <a:off x="0" y="3429000"/>
-            <a:ext cx="3760788" cy="3760788"/>
+            <a:off x="5363055" y="3790766"/>
+            <a:ext cx="4672262" cy="2992691"/>
           </a:xfrm>
           <a:prstGeom prst="rect">
             <a:avLst/>
           </a:prstGeom>
         </p:spPr>
       </p:pic>
-      <p:sp>
-        <p:nvSpPr>
-          <p:cNvPr id="2" name="Заголовок 1">
-            <a:extLst>
-              <a:ext uri="{FF2B5EF4-FFF2-40B4-BE49-F238E27FC236}">
-                <a16:creationId xmlns:a16="http://schemas.microsoft.com/office/drawing/2014/main" id="{AC490688-9FE5-402D-92C3-D274FE6722A0}"/>
-              </a:ext>
-            </a:extLst>
-          </p:cNvPr>
-          <p:cNvSpPr>
-            <a:spLocks noGrp="1"/>
-          </p:cNvSpPr>
-          <p:nvPr>
-            <p:ph type="title"/>
-          </p:nvPr>
-        </p:nvSpPr>
-        <p:spPr>
-          <a:xfrm>
-            <a:off x="838200" y="302979"/>
-            <a:ext cx="10515600" cy="1325563"/>
-          </a:xfrm>
-        </p:spPr>
-        <p:txBody>
-          <a:bodyPr/>
-          <a:lstStyle/>
-          <a:p>
-            <a:r>
-              <a:rPr lang="ru-RU" dirty="0"/>
-              <a:t>Что дальше</a:t>
-            </a:r>
-          </a:p>
-        </p:txBody>
-      </p:sp>
-      <p:sp>
-        <p:nvSpPr>
-          <p:cNvPr id="3" name="Объект 2">
-            <a:extLst>
-              <a:ext uri="{FF2B5EF4-FFF2-40B4-BE49-F238E27FC236}">
-                <a16:creationId xmlns:a16="http://schemas.microsoft.com/office/drawing/2014/main" id="{167CE06E-B42F-48F3-9A1D-A2B9AE1A0FC4}"/>
-              </a:ext>
-            </a:extLst>
-          </p:cNvPr>
-          <p:cNvSpPr>
-            <a:spLocks noGrp="1"/>
-          </p:cNvSpPr>
-          <p:nvPr>
-            <p:ph idx="1"/>
-          </p:nvPr>
-        </p:nvSpPr>
-        <p:spPr>
-          <a:xfrm>
-            <a:off x="838200" y="1763478"/>
-            <a:ext cx="10515600" cy="5107835"/>
-          </a:xfrm>
-        </p:spPr>
-        <p:txBody>
-          <a:bodyPr>
-            <a:normAutofit/>
-          </a:bodyPr>
-          <a:lstStyle/>
-          <a:p>
-            <a:pPr marL="0" indent="0">
-              <a:buNone/>
-            </a:pPr>
-            <a:r>
-              <a:rPr lang="ru-RU" dirty="0"/>
-              <a:t>— Тестирование, адаптация под запросы </a:t>
-            </a:r>
-            <a:r>
-              <a:rPr lang="ru-RU" dirty="0" err="1"/>
-              <a:t>пользовате</a:t>
-            </a:r>
-            <a:r>
-              <a:rPr lang="ru-RU" dirty="0"/>
-              <a:t>-лей, чтобы сделать всё ещё удобнее. Только так платформа сможет стать полезной.</a:t>
-            </a:r>
-          </a:p>
-          <a:p>
-            <a:pPr marL="0" indent="0">
-              <a:buNone/>
-            </a:pPr>
-            <a:endParaRPr lang="ru-RU" dirty="0"/>
-          </a:p>
-          <a:p>
-            <a:pPr marL="0" indent="0">
-              <a:buNone/>
-            </a:pPr>
-            <a:r>
-              <a:rPr lang="ru-RU" dirty="0"/>
-              <a:t>— Развитие функциональности — новые типы ответов, группировка пользователей в классы, управление доступами к разным работам разными классами.</a:t>
-            </a:r>
-          </a:p>
-          <a:p>
-            <a:pPr marL="0" indent="0">
-              <a:buNone/>
-            </a:pPr>
-            <a:endParaRPr lang="ru-RU" dirty="0"/>
-          </a:p>
-          <a:p>
-            <a:pPr marL="0" indent="0">
-              <a:buNone/>
-            </a:pPr>
-            <a:r>
-              <a:rPr lang="ru-RU" dirty="0"/>
-              <a:t>— Масштабирование продукта на всю школу, интеграция платформы в учебный процесс.</a:t>
-            </a:r>
-          </a:p>
-        </p:txBody>
-      </p:sp>
     </p:spTree>
     <p:extLst>
       <p:ext uri="{BB962C8B-B14F-4D97-AF65-F5344CB8AC3E}">
-        <p14:creationId xmlns:p14="http://schemas.microsoft.com/office/powerpoint/2010/main" val="362335759"/>
+        <p14:creationId xmlns:p14="http://schemas.microsoft.com/office/powerpoint/2010/main" val="1381910388"/>
       </p:ext>
     </p:extLst>
   </p:cSld>
@@ -3406,100 +3809,39 @@
           <a:chExt cx="0" cy="0"/>
         </a:xfrm>
       </p:grpSpPr>
-      <p:sp>
-        <p:nvSpPr>
-          <p:cNvPr id="2" name="Заголовок 1">
-            <a:extLst>
-              <a:ext uri="{FF2B5EF4-FFF2-40B4-BE49-F238E27FC236}">
-                <a16:creationId xmlns:a16="http://schemas.microsoft.com/office/drawing/2014/main" id="{AC490688-9FE5-402D-92C3-D274FE6722A0}"/>
-              </a:ext>
-            </a:extLst>
-          </p:cNvPr>
-          <p:cNvSpPr>
-            <a:spLocks noGrp="1"/>
-          </p:cNvSpPr>
-          <p:nvPr>
-            <p:ph type="title"/>
-          </p:nvPr>
-        </p:nvSpPr>
-        <p:spPr>
-          <a:xfrm>
-            <a:off x="838200" y="302979"/>
-            <a:ext cx="10515600" cy="1325563"/>
-          </a:xfrm>
-        </p:spPr>
-        <p:txBody>
-          <a:bodyPr/>
-          <a:lstStyle/>
-          <a:p>
-            <a:r>
-              <a:rPr lang="ru-RU" dirty="0"/>
-              <a:t>Вывод</a:t>
-            </a:r>
-          </a:p>
-        </p:txBody>
-      </p:sp>
-      <p:sp>
-        <p:nvSpPr>
-          <p:cNvPr id="3" name="Объект 2">
-            <a:extLst>
-              <a:ext uri="{FF2B5EF4-FFF2-40B4-BE49-F238E27FC236}">
-                <a16:creationId xmlns:a16="http://schemas.microsoft.com/office/drawing/2014/main" id="{167CE06E-B42F-48F3-9A1D-A2B9AE1A0FC4}"/>
-              </a:ext>
-            </a:extLst>
-          </p:cNvPr>
-          <p:cNvSpPr>
-            <a:spLocks noGrp="1"/>
-          </p:cNvSpPr>
-          <p:nvPr>
-            <p:ph idx="1"/>
-          </p:nvPr>
-        </p:nvSpPr>
-        <p:spPr>
-          <a:xfrm>
-            <a:off x="838200" y="1763478"/>
-            <a:ext cx="10515600" cy="5107835"/>
-          </a:xfrm>
-        </p:spPr>
-        <p:txBody>
-          <a:bodyPr>
-            <a:normAutofit/>
-          </a:bodyPr>
-          <a:lstStyle/>
-          <a:p>
-            <a:pPr marL="0" indent="0">
-              <a:buNone/>
-            </a:pPr>
-            <a:r>
-              <a:rPr lang="en-US" dirty="0"/>
-              <a:t>Chekker — </a:t>
-            </a:r>
-            <a:r>
-              <a:rPr lang="ru-RU" dirty="0"/>
-              <a:t>это не «учебный» и не «фантастический» проект. Если развивать его, он действительно может принести пользу школе.</a:t>
-            </a:r>
-          </a:p>
-          <a:p>
-            <a:pPr marL="0" indent="0">
-              <a:buNone/>
-            </a:pPr>
-            <a:endParaRPr lang="ru-RU" dirty="0"/>
-          </a:p>
-          <a:p>
-            <a:pPr marL="0" indent="0">
-              <a:buNone/>
-            </a:pPr>
-            <a:r>
-              <a:rPr lang="ru-RU" dirty="0"/>
-              <a:t>Главное — не растерять главные принципы — удобство и простоту в использовании.</a:t>
-            </a:r>
-          </a:p>
-        </p:txBody>
-      </p:sp>
+      <p:pic>
+        <p:nvPicPr>
+          <p:cNvPr id="5" name="Рисунок 4">
+            <a:extLst>
+              <a:ext uri="{FF2B5EF4-FFF2-40B4-BE49-F238E27FC236}">
+                <a16:creationId xmlns:a16="http://schemas.microsoft.com/office/drawing/2014/main" id="{B8BAFFA3-B718-41D0-93A1-3E846DDF96A1}"/>
+              </a:ext>
+            </a:extLst>
+          </p:cNvPr>
+          <p:cNvPicPr>
+            <a:picLocks noChangeAspect="1"/>
+          </p:cNvPicPr>
+          <p:nvPr/>
+        </p:nvPicPr>
+        <p:blipFill rotWithShape="1">
+          <a:blip r:embed="rId2"/>
+          <a:srcRect t="13204" b="13269"/>
+          <a:stretch/>
+        </p:blipFill>
+        <p:spPr>
+          <a:xfrm>
+            <a:off x="0" y="0"/>
+            <a:ext cx="13566342" cy="11304995"/>
+          </a:xfrm>
+          <a:prstGeom prst="rect">
+            <a:avLst/>
+          </a:prstGeom>
+        </p:spPr>
+      </p:pic>
     </p:spTree>
     <p:extLst>
       <p:ext uri="{BB962C8B-B14F-4D97-AF65-F5344CB8AC3E}">
-        <p14:creationId xmlns:p14="http://schemas.microsoft.com/office/powerpoint/2010/main" val="1053065404"/>
+        <p14:creationId xmlns:p14="http://schemas.microsoft.com/office/powerpoint/2010/main" val="1540763394"/>
       </p:ext>
     </p:extLst>
   </p:cSld>

--- a/docs/Chekker.pptx
+++ b/docs/Chekker.pptx
@@ -5,32 +5,36 @@
     <p:sldMasterId id="2147483648" r:id="rId1"/>
   </p:sldMasterIdLst>
   <p:sldIdLst>
-    <p:sldId id="256" r:id="rId2"/>
-    <p:sldId id="257" r:id="rId3"/>
-    <p:sldId id="258" r:id="rId4"/>
-    <p:sldId id="259" r:id="rId5"/>
-    <p:sldId id="268" r:id="rId6"/>
-    <p:sldId id="269" r:id="rId7"/>
-    <p:sldId id="260" r:id="rId8"/>
-    <p:sldId id="266" r:id="rId9"/>
-    <p:sldId id="267" r:id="rId10"/>
-    <p:sldId id="262" r:id="rId11"/>
-    <p:sldId id="263" r:id="rId12"/>
-    <p:sldId id="264" r:id="rId13"/>
-    <p:sldId id="265" r:id="rId14"/>
+    <p:sldId id="272" r:id="rId2"/>
+    <p:sldId id="256" r:id="rId3"/>
+    <p:sldId id="257" r:id="rId4"/>
+    <p:sldId id="258" r:id="rId5"/>
+    <p:sldId id="274" r:id="rId6"/>
+    <p:sldId id="259" r:id="rId7"/>
+    <p:sldId id="268" r:id="rId8"/>
+    <p:sldId id="269" r:id="rId9"/>
+    <p:sldId id="260" r:id="rId10"/>
+    <p:sldId id="266" r:id="rId11"/>
+    <p:sldId id="275" r:id="rId12"/>
+    <p:sldId id="273" r:id="rId13"/>
+    <p:sldId id="267" r:id="rId14"/>
+    <p:sldId id="263" r:id="rId15"/>
+    <p:sldId id="264" r:id="rId16"/>
+    <p:sldId id="270" r:id="rId17"/>
+    <p:sldId id="271" r:id="rId18"/>
   </p:sldIdLst>
   <p:sldSz cx="12192000" cy="6858000"/>
   <p:notesSz cx="6858000" cy="9144000"/>
   <p:embeddedFontLst>
     <p:embeddedFont>
       <p:font typeface="Golos Text VF" pitchFamily="2" charset="0"/>
-      <p:regular r:id="rId15"/>
-      <p:bold r:id="rId16"/>
+      <p:regular r:id="rId19"/>
+      <p:bold r:id="rId20"/>
     </p:embeddedFont>
     <p:embeddedFont>
       <p:font typeface="PT Serif Caption" panose="02060603050505020204" pitchFamily="18" charset="-52"/>
-      <p:regular r:id="rId17"/>
-      <p:italic r:id="rId18"/>
+      <p:regular r:id="rId21"/>
+      <p:italic r:id="rId22"/>
     </p:embeddedFont>
   </p:embeddedFontLst>
   <p:defaultTextStyle>
@@ -2300,154 +2304,10 @@
           <a:chExt cx="0" cy="0"/>
         </a:xfrm>
       </p:grpSpPr>
-      <p:pic>
-        <p:nvPicPr>
-          <p:cNvPr id="5" name="Рисунок 4">
-            <a:extLst>
-              <a:ext uri="{FF2B5EF4-FFF2-40B4-BE49-F238E27FC236}">
-                <a16:creationId xmlns:a16="http://schemas.microsoft.com/office/drawing/2014/main" id="{6FFB58C9-C0B2-4CB9-8705-713DD58EC178}"/>
-              </a:ext>
-            </a:extLst>
-          </p:cNvPr>
-          <p:cNvPicPr>
-            <a:picLocks noChangeAspect="1"/>
-          </p:cNvPicPr>
-          <p:nvPr/>
-        </p:nvPicPr>
-        <p:blipFill>
-          <a:blip r:embed="rId2">
-            <a:extLst>
-              <a:ext uri="{28A0092B-C50C-407E-A947-70E740481C1C}">
-                <a14:useLocalDpi xmlns:a14="http://schemas.microsoft.com/office/drawing/2010/main" val="0"/>
-              </a:ext>
-            </a:extLst>
-          </a:blip>
-          <a:stretch>
-            <a:fillRect/>
-          </a:stretch>
-        </p:blipFill>
-        <p:spPr>
-          <a:xfrm>
-            <a:off x="2829942" y="2338830"/>
-            <a:ext cx="6532116" cy="2168663"/>
-          </a:xfrm>
-          <a:prstGeom prst="rect">
-            <a:avLst/>
-          </a:prstGeom>
-        </p:spPr>
-      </p:pic>
-      <p:pic>
-        <p:nvPicPr>
-          <p:cNvPr id="9" name="Рисунок 8">
-            <a:extLst>
-              <a:ext uri="{FF2B5EF4-FFF2-40B4-BE49-F238E27FC236}">
-                <a16:creationId xmlns:a16="http://schemas.microsoft.com/office/drawing/2014/main" id="{0959B8A0-8788-4459-8AB7-4CCDB6F399AC}"/>
-              </a:ext>
-            </a:extLst>
-          </p:cNvPr>
-          <p:cNvPicPr>
-            <a:picLocks noChangeAspect="1"/>
-          </p:cNvPicPr>
-          <p:nvPr/>
-        </p:nvPicPr>
-        <p:blipFill>
-          <a:blip r:embed="rId3">
-            <a:extLst>
-              <a:ext uri="{28A0092B-C50C-407E-A947-70E740481C1C}">
-                <a14:useLocalDpi xmlns:a14="http://schemas.microsoft.com/office/drawing/2010/main" val="0"/>
-              </a:ext>
-            </a:extLst>
-          </a:blip>
-          <a:stretch>
-            <a:fillRect/>
-          </a:stretch>
-        </p:blipFill>
-        <p:spPr>
-          <a:xfrm>
-            <a:off x="-1703388" y="-1280437"/>
-            <a:ext cx="3760788" cy="3760788"/>
-          </a:xfrm>
-          <a:prstGeom prst="rect">
-            <a:avLst/>
-          </a:prstGeom>
-        </p:spPr>
-      </p:pic>
-      <p:pic>
-        <p:nvPicPr>
-          <p:cNvPr id="10" name="Рисунок 9">
-            <a:extLst>
-              <a:ext uri="{FF2B5EF4-FFF2-40B4-BE49-F238E27FC236}">
-                <a16:creationId xmlns:a16="http://schemas.microsoft.com/office/drawing/2014/main" id="{2C2CD936-0E8C-4AB4-8A55-128E3D5CFC0C}"/>
-              </a:ext>
-            </a:extLst>
-          </p:cNvPr>
-          <p:cNvPicPr>
-            <a:picLocks noChangeAspect="1"/>
-          </p:cNvPicPr>
-          <p:nvPr/>
-        </p:nvPicPr>
-        <p:blipFill>
-          <a:blip r:embed="rId3">
-            <a:extLst>
-              <a:ext uri="{28A0092B-C50C-407E-A947-70E740481C1C}">
-                <a14:useLocalDpi xmlns:a14="http://schemas.microsoft.com/office/drawing/2010/main" val="0"/>
-              </a:ext>
-            </a:extLst>
-          </a:blip>
-          <a:stretch>
-            <a:fillRect/>
-          </a:stretch>
-        </p:blipFill>
-        <p:spPr>
-          <a:xfrm>
-            <a:off x="-636588" y="4852139"/>
-            <a:ext cx="3760788" cy="3760788"/>
-          </a:xfrm>
-          <a:prstGeom prst="rect">
-            <a:avLst/>
-          </a:prstGeom>
-        </p:spPr>
-      </p:pic>
-      <p:pic>
-        <p:nvPicPr>
-          <p:cNvPr id="11" name="Рисунок 10">
-            <a:extLst>
-              <a:ext uri="{FF2B5EF4-FFF2-40B4-BE49-F238E27FC236}">
-                <a16:creationId xmlns:a16="http://schemas.microsoft.com/office/drawing/2014/main" id="{CAE1DBDC-5D5D-459F-9CCE-EC64FD477F85}"/>
-              </a:ext>
-            </a:extLst>
-          </p:cNvPr>
-          <p:cNvPicPr>
-            <a:picLocks noChangeAspect="1"/>
-          </p:cNvPicPr>
-          <p:nvPr/>
-        </p:nvPicPr>
-        <p:blipFill>
-          <a:blip r:embed="rId3">
-            <a:extLst>
-              <a:ext uri="{28A0092B-C50C-407E-A947-70E740481C1C}">
-                <a14:useLocalDpi xmlns:a14="http://schemas.microsoft.com/office/drawing/2010/main" val="0"/>
-              </a:ext>
-            </a:extLst>
-          </a:blip>
-          <a:stretch>
-            <a:fillRect/>
-          </a:stretch>
-        </p:blipFill>
-        <p:spPr>
-          <a:xfrm>
-            <a:off x="10463784" y="-139230"/>
-            <a:ext cx="3760788" cy="3760788"/>
-          </a:xfrm>
-          <a:prstGeom prst="rect">
-            <a:avLst/>
-          </a:prstGeom>
-        </p:spPr>
-      </p:pic>
     </p:spTree>
     <p:extLst>
       <p:ext uri="{BB962C8B-B14F-4D97-AF65-F5344CB8AC3E}">
-        <p14:creationId xmlns:p14="http://schemas.microsoft.com/office/powerpoint/2010/main" val="391909742"/>
+        <p14:creationId xmlns:p14="http://schemas.microsoft.com/office/powerpoint/2010/main" val="3821594269"/>
       </p:ext>
     </p:extLst>
   </p:cSld>
@@ -2474,187 +2334,98 @@
           <a:chExt cx="0" cy="0"/>
         </a:xfrm>
       </p:grpSpPr>
-      <p:sp>
-        <p:nvSpPr>
-          <p:cNvPr id="2" name="Заголовок 1">
-            <a:extLst>
-              <a:ext uri="{FF2B5EF4-FFF2-40B4-BE49-F238E27FC236}">
-                <a16:creationId xmlns:a16="http://schemas.microsoft.com/office/drawing/2014/main" id="{AC490688-9FE5-402D-92C3-D274FE6722A0}"/>
-              </a:ext>
-            </a:extLst>
-          </p:cNvPr>
-          <p:cNvSpPr>
-            <a:spLocks noGrp="1"/>
-          </p:cNvSpPr>
-          <p:nvPr>
-            <p:ph type="title"/>
-          </p:nvPr>
-        </p:nvSpPr>
-        <p:spPr>
-          <a:xfrm>
-            <a:off x="838200" y="302979"/>
-            <a:ext cx="10515600" cy="1325563"/>
-          </a:xfrm>
-        </p:spPr>
-        <p:txBody>
-          <a:bodyPr/>
-          <a:lstStyle/>
-          <a:p>
-            <a:r>
-              <a:rPr lang="ru-RU" dirty="0"/>
-              <a:t>Как работает</a:t>
-            </a:r>
-          </a:p>
-        </p:txBody>
-      </p:sp>
-      <p:sp>
-        <p:nvSpPr>
-          <p:cNvPr id="3" name="Объект 2">
-            <a:extLst>
-              <a:ext uri="{FF2B5EF4-FFF2-40B4-BE49-F238E27FC236}">
-                <a16:creationId xmlns:a16="http://schemas.microsoft.com/office/drawing/2014/main" id="{167CE06E-B42F-48F3-9A1D-A2B9AE1A0FC4}"/>
-              </a:ext>
-            </a:extLst>
-          </p:cNvPr>
-          <p:cNvSpPr>
-            <a:spLocks noGrp="1"/>
-          </p:cNvSpPr>
-          <p:nvPr>
-            <p:ph idx="1"/>
-          </p:nvPr>
-        </p:nvSpPr>
-        <p:spPr>
-          <a:xfrm>
-            <a:off x="838200" y="1763478"/>
-            <a:ext cx="10515600" cy="5107835"/>
-          </a:xfrm>
-        </p:spPr>
-        <p:txBody>
-          <a:bodyPr>
-            <a:normAutofit/>
-          </a:bodyPr>
-          <a:lstStyle/>
-          <a:p>
-            <a:pPr marL="0" indent="0">
-              <a:buNone/>
-            </a:pPr>
-            <a:r>
-              <a:rPr lang="en-US" sz="8000" b="1" dirty="0"/>
-              <a:t>Flask</a:t>
-            </a:r>
-            <a:r>
-              <a:rPr lang="en-US" sz="8000" dirty="0"/>
-              <a:t>, </a:t>
-            </a:r>
-            <a:r>
-              <a:rPr lang="en-US" sz="8000" b="1" dirty="0" err="1"/>
-              <a:t>SQLALchemy</a:t>
-            </a:r>
-            <a:r>
-              <a:rPr lang="en-US" sz="8000" b="1" dirty="0"/>
-              <a:t>,</a:t>
-            </a:r>
-            <a:r>
-              <a:rPr lang="en-US" sz="8000" dirty="0"/>
-              <a:t> </a:t>
-            </a:r>
-            <a:r>
-              <a:rPr lang="en-US" sz="4400" dirty="0" err="1"/>
-              <a:t>WTForms</a:t>
-            </a:r>
-            <a:r>
-              <a:rPr lang="en-US" sz="4400" dirty="0"/>
-              <a:t>, Flask-Login, Flask-Assets</a:t>
-            </a:r>
-            <a:r>
-              <a:rPr lang="en-US" dirty="0"/>
-              <a:t>, </a:t>
-            </a:r>
-            <a:r>
-              <a:rPr lang="en-US" sz="3600" dirty="0" err="1"/>
-              <a:t>SQLALchemy</a:t>
-            </a:r>
-            <a:r>
-              <a:rPr lang="en-US" sz="3600" dirty="0"/>
-              <a:t>-serializer, </a:t>
-            </a:r>
-            <a:r>
-              <a:rPr lang="en-US" sz="3600" dirty="0" err="1"/>
-              <a:t>LibSASS</a:t>
-            </a:r>
-            <a:r>
-              <a:rPr lang="en-US" sz="3600" dirty="0"/>
-              <a:t>, </a:t>
-            </a:r>
-          </a:p>
-          <a:p>
-            <a:pPr marL="0" indent="0">
-              <a:buNone/>
-            </a:pPr>
-            <a:r>
-              <a:rPr lang="en-US" sz="3200" dirty="0"/>
-              <a:t>datetime, </a:t>
-            </a:r>
-            <a:r>
-              <a:rPr lang="en-US" sz="3200" dirty="0" err="1"/>
-              <a:t>functools</a:t>
-            </a:r>
-            <a:r>
-              <a:rPr lang="en-US" sz="3200" dirty="0"/>
-              <a:t>, </a:t>
-            </a:r>
-            <a:r>
-              <a:rPr lang="en-US" sz="3200" dirty="0" err="1"/>
-              <a:t>os</a:t>
-            </a:r>
-            <a:endParaRPr lang="en-US" sz="3200" dirty="0"/>
-          </a:p>
-          <a:p>
-            <a:pPr marL="0" indent="0">
-              <a:buNone/>
-            </a:pPr>
-            <a:endParaRPr lang="en-US" sz="3200" dirty="0"/>
-          </a:p>
-          <a:p>
-            <a:pPr marL="0" indent="0">
-              <a:buNone/>
-            </a:pPr>
-            <a:r>
-              <a:rPr lang="ru-RU" sz="3200" dirty="0"/>
-              <a:t>Модели </a:t>
-            </a:r>
-            <a:r>
-              <a:rPr lang="en-US" sz="3200" i="1" dirty="0"/>
-              <a:t>User, </a:t>
-            </a:r>
-            <a:r>
-              <a:rPr lang="en-US" sz="3200" i="1" dirty="0" err="1"/>
-              <a:t>Labour</a:t>
-            </a:r>
-            <a:r>
-              <a:rPr lang="en-US" sz="3200" i="1" dirty="0"/>
-              <a:t>, Test, Answer,</a:t>
-            </a:r>
-            <a:r>
-              <a:rPr lang="en-US" sz="3200" dirty="0"/>
-              <a:t> </a:t>
-            </a:r>
-            <a:r>
-              <a:rPr lang="ru-RU" sz="3200" dirty="0"/>
-              <a:t>промежуточные модели для связи </a:t>
-            </a:r>
-            <a:r>
-              <a:rPr lang="en-US" sz="3200" i="1" dirty="0"/>
-              <a:t>MTM</a:t>
-            </a:r>
-            <a:endParaRPr lang="ru-RU" sz="2400" i="1" dirty="0"/>
-          </a:p>
-        </p:txBody>
-      </p:sp>
+      <p:pic>
+        <p:nvPicPr>
+          <p:cNvPr id="5" name="Рисунок 4">
+            <a:extLst>
+              <a:ext uri="{FF2B5EF4-FFF2-40B4-BE49-F238E27FC236}">
+                <a16:creationId xmlns:a16="http://schemas.microsoft.com/office/drawing/2014/main" id="{7A99EF47-1F3C-4661-B2FA-E4B2562DFEC9}"/>
+              </a:ext>
+            </a:extLst>
+          </p:cNvPr>
+          <p:cNvPicPr>
+            <a:picLocks noChangeAspect="1"/>
+          </p:cNvPicPr>
+          <p:nvPr/>
+        </p:nvPicPr>
+        <p:blipFill rotWithShape="1">
+          <a:blip r:embed="rId2"/>
+          <a:srcRect r="29604"/>
+          <a:stretch/>
+        </p:blipFill>
+        <p:spPr>
+          <a:xfrm>
+            <a:off x="198955" y="0"/>
+            <a:ext cx="4790295" cy="6858000"/>
+          </a:xfrm>
+          <a:prstGeom prst="rect">
+            <a:avLst/>
+          </a:prstGeom>
+        </p:spPr>
+      </p:pic>
+      <p:pic>
+        <p:nvPicPr>
+          <p:cNvPr id="7" name="Рисунок 6">
+            <a:extLst>
+              <a:ext uri="{FF2B5EF4-FFF2-40B4-BE49-F238E27FC236}">
+                <a16:creationId xmlns:a16="http://schemas.microsoft.com/office/drawing/2014/main" id="{C1469BD2-B82C-4E49-A97D-9E2CF5CFD682}"/>
+              </a:ext>
+            </a:extLst>
+          </p:cNvPr>
+          <p:cNvPicPr>
+            <a:picLocks noChangeAspect="1"/>
+          </p:cNvPicPr>
+          <p:nvPr/>
+        </p:nvPicPr>
+        <p:blipFill rotWithShape="1">
+          <a:blip r:embed="rId3"/>
+          <a:srcRect t="17273" b="16172"/>
+          <a:stretch/>
+        </p:blipFill>
+        <p:spPr>
+          <a:xfrm>
+            <a:off x="5363055" y="301841"/>
+            <a:ext cx="6302534" cy="3488925"/>
+          </a:xfrm>
+          <a:prstGeom prst="rect">
+            <a:avLst/>
+          </a:prstGeom>
+        </p:spPr>
+      </p:pic>
+      <p:pic>
+        <p:nvPicPr>
+          <p:cNvPr id="9" name="Рисунок 8">
+            <a:extLst>
+              <a:ext uri="{FF2B5EF4-FFF2-40B4-BE49-F238E27FC236}">
+                <a16:creationId xmlns:a16="http://schemas.microsoft.com/office/drawing/2014/main" id="{3AD75CBD-4C09-4968-8B13-4431937A6F17}"/>
+              </a:ext>
+            </a:extLst>
+          </p:cNvPr>
+          <p:cNvPicPr>
+            <a:picLocks noChangeAspect="1"/>
+          </p:cNvPicPr>
+          <p:nvPr/>
+        </p:nvPicPr>
+        <p:blipFill>
+          <a:blip r:embed="rId4"/>
+          <a:stretch>
+            <a:fillRect/>
+          </a:stretch>
+        </p:blipFill>
+        <p:spPr>
+          <a:xfrm>
+            <a:off x="5363055" y="3790766"/>
+            <a:ext cx="4672262" cy="2992691"/>
+          </a:xfrm>
+          <a:prstGeom prst="rect">
+            <a:avLst/>
+          </a:prstGeom>
+        </p:spPr>
+      </p:pic>
     </p:spTree>
     <p:extLst>
       <p:ext uri="{BB962C8B-B14F-4D97-AF65-F5344CB8AC3E}">
-        <p14:creationId xmlns:p14="http://schemas.microsoft.com/office/powerpoint/2010/main" val="624474805"/>
+        <p14:creationId xmlns:p14="http://schemas.microsoft.com/office/powerpoint/2010/main" val="1381910388"/>
       </p:ext>
     </p:extLst>
   </p:cSld>
@@ -2681,42 +2452,6 @@
           <a:chExt cx="0" cy="0"/>
         </a:xfrm>
       </p:grpSpPr>
-      <p:pic>
-        <p:nvPicPr>
-          <p:cNvPr id="4" name="Рисунок 3">
-            <a:extLst>
-              <a:ext uri="{FF2B5EF4-FFF2-40B4-BE49-F238E27FC236}">
-                <a16:creationId xmlns:a16="http://schemas.microsoft.com/office/drawing/2014/main" id="{85B5446D-F07A-4BCB-8BD8-A57E74D01986}"/>
-              </a:ext>
-            </a:extLst>
-          </p:cNvPr>
-          <p:cNvPicPr>
-            <a:picLocks noChangeAspect="1"/>
-          </p:cNvPicPr>
-          <p:nvPr/>
-        </p:nvPicPr>
-        <p:blipFill>
-          <a:blip r:embed="rId2">
-            <a:extLst>
-              <a:ext uri="{28A0092B-C50C-407E-A947-70E740481C1C}">
-                <a14:useLocalDpi xmlns:a14="http://schemas.microsoft.com/office/drawing/2010/main" val="0"/>
-              </a:ext>
-            </a:extLst>
-          </a:blip>
-          <a:stretch>
-            <a:fillRect/>
-          </a:stretch>
-        </p:blipFill>
-        <p:spPr>
-          <a:xfrm>
-            <a:off x="0" y="3429000"/>
-            <a:ext cx="3760788" cy="3760788"/>
-          </a:xfrm>
-          <a:prstGeom prst="rect">
-            <a:avLst/>
-          </a:prstGeom>
-        </p:spPr>
-      </p:pic>
       <p:sp>
         <p:nvSpPr>
           <p:cNvPr id="2" name="Заголовок 1">
@@ -2745,7 +2480,7 @@
           <a:p>
             <a:r>
               <a:rPr lang="ru-RU" dirty="0"/>
-              <a:t>Что дальше</a:t>
+              <a:t>Права и роли</a:t>
             </a:r>
           </a:p>
         </p:txBody>
@@ -2782,16 +2517,16 @@
               <a:buNone/>
             </a:pPr>
             <a:r>
+              <a:rPr lang="ru-RU" dirty="0">
+                <a:solidFill>
+                  <a:srgbClr val="7030A0"/>
+                </a:solidFill>
+              </a:rPr>
+              <a:t>Администратор</a:t>
+            </a:r>
+            <a:r>
               <a:rPr lang="ru-RU" dirty="0"/>
-              <a:t>— Тестирование, адаптация под запросы </a:t>
-            </a:r>
-            <a:r>
-              <a:rPr lang="ru-RU" dirty="0" err="1"/>
-              <a:t>пользовате</a:t>
-            </a:r>
-            <a:r>
-              <a:rPr lang="ru-RU" dirty="0"/>
-              <a:t>-лей, чтобы сделать всё ещё удобнее. Только так платформа сможет стать полезной.</a:t>
+              <a:t> назначает роли, следит за стабильностью системы и решает технические вопросы.</a:t>
             </a:r>
           </a:p>
           <a:p>
@@ -2805,31 +2540,56 @@
               <a:buNone/>
             </a:pPr>
             <a:r>
+              <a:rPr lang="ru-RU" dirty="0">
+                <a:solidFill>
+                  <a:srgbClr val="00B0F0"/>
+                </a:solidFill>
+              </a:rPr>
+              <a:t>Преподаватель </a:t>
+            </a:r>
+            <a:r>
               <a:rPr lang="ru-RU" dirty="0"/>
-              <a:t>— Развитие функциональности — новые типы ответов, группировка пользователей в классы, управление доступами к разным работам разными классами.</a:t>
+              <a:t>создаёт тесты, анализирует результаты и корректирует план обучения.</a:t>
             </a:r>
           </a:p>
           <a:p>
             <a:pPr marL="0" indent="0">
               <a:buNone/>
             </a:pPr>
-            <a:endParaRPr lang="ru-RU" dirty="0"/>
+            <a:endParaRPr lang="ru-RU" dirty="0">
+              <a:solidFill>
+                <a:srgbClr val="00B0F0"/>
+              </a:solidFill>
+            </a:endParaRPr>
           </a:p>
           <a:p>
             <a:pPr marL="0" indent="0">
               <a:buNone/>
             </a:pPr>
             <a:r>
+              <a:rPr lang="ru-RU" dirty="0">
+                <a:solidFill>
+                  <a:srgbClr val="EB6E19"/>
+                </a:solidFill>
+              </a:rPr>
+              <a:t>Ученик </a:t>
+            </a:r>
+            <a:r>
               <a:rPr lang="ru-RU" dirty="0"/>
-              <a:t>— Масштабирование продукта на всю школу, интеграция платформы в учебный процесс.</a:t>
-            </a:r>
+              <a:t>решает тесты, видит свои результаты и пробелы в знаниях.</a:t>
+            </a:r>
+            <a:endParaRPr lang="ru-RU" dirty="0">
+              <a:solidFill>
+                <a:srgbClr val="EB6E19"/>
+              </a:solidFill>
+            </a:endParaRPr>
           </a:p>
         </p:txBody>
       </p:sp>
     </p:spTree>
     <p:extLst>
       <p:ext uri="{BB962C8B-B14F-4D97-AF65-F5344CB8AC3E}">
-        <p14:creationId xmlns:p14="http://schemas.microsoft.com/office/powerpoint/2010/main" val="362335759"/>
+        <p14:creationId xmlns:p14="http://schemas.microsoft.com/office/powerpoint/2010/main" val="4047944171"/>
       </p:ext>
     </p:extLst>
   </p:cSld>
@@ -2856,6 +2616,42 @@
           <a:chExt cx="0" cy="0"/>
         </a:xfrm>
       </p:grpSpPr>
+      <p:pic>
+        <p:nvPicPr>
+          <p:cNvPr id="4" name="Рисунок 3">
+            <a:extLst>
+              <a:ext uri="{FF2B5EF4-FFF2-40B4-BE49-F238E27FC236}">
+                <a16:creationId xmlns:a16="http://schemas.microsoft.com/office/drawing/2014/main" id="{29422AC3-BC2B-4DEB-A525-EFD6693CDF2F}"/>
+              </a:ext>
+            </a:extLst>
+          </p:cNvPr>
+          <p:cNvPicPr>
+            <a:picLocks noChangeAspect="1"/>
+          </p:cNvPicPr>
+          <p:nvPr/>
+        </p:nvPicPr>
+        <p:blipFill>
+          <a:blip r:embed="rId2">
+            <a:extLst>
+              <a:ext uri="{28A0092B-C50C-407E-A947-70E740481C1C}">
+                <a14:useLocalDpi xmlns:a14="http://schemas.microsoft.com/office/drawing/2010/main" val="0"/>
+              </a:ext>
+            </a:extLst>
+          </a:blip>
+          <a:stretch>
+            <a:fillRect/>
+          </a:stretch>
+        </p:blipFill>
+        <p:spPr>
+          <a:xfrm>
+            <a:off x="5371261" y="-202140"/>
+            <a:ext cx="3760788" cy="3760788"/>
+          </a:xfrm>
+          <a:prstGeom prst="rect">
+            <a:avLst/>
+          </a:prstGeom>
+        </p:spPr>
+      </p:pic>
       <p:sp>
         <p:nvSpPr>
           <p:cNvPr id="2" name="Заголовок 1">
@@ -2884,7 +2680,7 @@
           <a:p>
             <a:r>
               <a:rPr lang="ru-RU" dirty="0"/>
-              <a:t>Вывод</a:t>
+              <a:t>Альфа-тестирование</a:t>
             </a:r>
           </a:p>
         </p:txBody>
@@ -2907,7 +2703,7 @@
         </p:nvSpPr>
         <p:spPr>
           <a:xfrm>
-            <a:off x="838200" y="1763478"/>
+            <a:off x="838200" y="1727966"/>
             <a:ext cx="10515600" cy="5107835"/>
           </a:xfrm>
         </p:spPr>
@@ -2922,18 +2718,29 @@
             </a:pPr>
             <a:r>
               <a:rPr lang="en-US" dirty="0"/>
-              <a:t>Chekker — </a:t>
+              <a:t>20 </a:t>
             </a:r>
             <a:r>
               <a:rPr lang="ru-RU" dirty="0"/>
-              <a:t>это не «учебный» и не «фантастический» проект. Если развивать его, он действительно может решать настоящую задачу.</a:t>
+              <a:t>апреля прошло первое альфа-тестирование </a:t>
+            </a:r>
+            <a:r>
+              <a:rPr lang="en-US" dirty="0"/>
+              <a:t>Chekker, </a:t>
+            </a:r>
+            <a:r>
+              <a:rPr lang="ru-RU" dirty="0"/>
+              <a:t>которое показало, что:</a:t>
             </a:r>
           </a:p>
           <a:p>
             <a:pPr marL="0" indent="0">
               <a:buNone/>
             </a:pPr>
-            <a:endParaRPr lang="ru-RU" dirty="0"/>
+            <a:r>
+              <a:rPr lang="ru-RU" dirty="0"/>
+              <a:t>— логины должны быть проще, потому что ученики вводят их с опечатками;</a:t>
+            </a:r>
           </a:p>
           <a:p>
             <a:pPr marL="0" indent="0">
@@ -2941,15 +2748,25 @@
             </a:pPr>
             <a:r>
               <a:rPr lang="ru-RU" dirty="0"/>
-              <a:t>Главное — сохранить основные принципы</a:t>
-            </a:r>
-            <a:r>
-              <a:rPr lang="en-US" dirty="0"/>
-              <a:t>:</a:t>
-            </a:r>
+              <a:t>— пароли должны состоять только из цифр для удобства ввода;</a:t>
+            </a:r>
+          </a:p>
+          <a:p>
+            <a:pPr marL="0" indent="0">
+              <a:buNone/>
+            </a:pPr>
             <a:r>
               <a:rPr lang="ru-RU" dirty="0"/>
-              <a:t> удобство и простоту в использовании.</a:t>
+              <a:t>— сделать более логичные перенаправления внутри сайта</a:t>
+            </a:r>
+          </a:p>
+          <a:p>
+            <a:pPr marL="0" indent="0">
+              <a:buNone/>
+            </a:pPr>
+            <a:r>
+              <a:rPr lang="ru-RU" dirty="0"/>
+              <a:t>— сохранять формы ответа на случай потери соединения.</a:t>
             </a:r>
           </a:p>
         </p:txBody>
@@ -2957,7 +2774,7 @@
     </p:spTree>
     <p:extLst>
       <p:ext uri="{BB962C8B-B14F-4D97-AF65-F5344CB8AC3E}">
-        <p14:creationId xmlns:p14="http://schemas.microsoft.com/office/powerpoint/2010/main" val="1053065404"/>
+        <p14:creationId xmlns:p14="http://schemas.microsoft.com/office/powerpoint/2010/main" val="2202755615"/>
       </p:ext>
     </p:extLst>
   </p:cSld>
@@ -2984,12 +2801,107 @@
           <a:chExt cx="0" cy="0"/>
         </a:xfrm>
       </p:grpSpPr>
+      <p:pic>
+        <p:nvPicPr>
+          <p:cNvPr id="5" name="Рисунок 4">
+            <a:extLst>
+              <a:ext uri="{FF2B5EF4-FFF2-40B4-BE49-F238E27FC236}">
+                <a16:creationId xmlns:a16="http://schemas.microsoft.com/office/drawing/2014/main" id="{B8BAFFA3-B718-41D0-93A1-3E846DDF96A1}"/>
+              </a:ext>
+            </a:extLst>
+          </p:cNvPr>
+          <p:cNvPicPr>
+            <a:picLocks noChangeAspect="1"/>
+          </p:cNvPicPr>
+          <p:nvPr/>
+        </p:nvPicPr>
+        <p:blipFill rotWithShape="1">
+          <a:blip r:embed="rId2"/>
+          <a:srcRect t="13204" b="13269"/>
+          <a:stretch/>
+        </p:blipFill>
+        <p:spPr>
+          <a:xfrm>
+            <a:off x="0" y="0"/>
+            <a:ext cx="13566342" cy="11304995"/>
+          </a:xfrm>
+          <a:prstGeom prst="rect">
+            <a:avLst/>
+          </a:prstGeom>
+        </p:spPr>
+      </p:pic>
+    </p:spTree>
+    <p:extLst>
+      <p:ext uri="{BB962C8B-B14F-4D97-AF65-F5344CB8AC3E}">
+        <p14:creationId xmlns:p14="http://schemas.microsoft.com/office/powerpoint/2010/main" val="1540763394"/>
+      </p:ext>
+    </p:extLst>
+  </p:cSld>
+  <p:clrMapOvr>
+    <a:masterClrMapping/>
+  </p:clrMapOvr>
+</p:sld>
+</file>
+
+<file path=ppt/slides/slide14.xml><?xml version="1.0" encoding="utf-8"?>
+<p:sld xmlns:a="http://schemas.openxmlformats.org/drawingml/2006/main" xmlns:r="http://schemas.openxmlformats.org/officeDocument/2006/relationships" xmlns:p="http://schemas.openxmlformats.org/presentationml/2006/main">
+  <p:cSld>
+    <p:spTree>
+      <p:nvGrpSpPr>
+        <p:cNvPr id="1" name=""/>
+        <p:cNvGrpSpPr/>
+        <p:nvPr/>
+      </p:nvGrpSpPr>
+      <p:grpSpPr>
+        <a:xfrm>
+          <a:off x="0" y="0"/>
+          <a:ext cx="0" cy="0"/>
+          <a:chOff x="0" y="0"/>
+          <a:chExt cx="0" cy="0"/>
+        </a:xfrm>
+      </p:grpSpPr>
+      <p:pic>
+        <p:nvPicPr>
+          <p:cNvPr id="4" name="Рисунок 3">
+            <a:extLst>
+              <a:ext uri="{FF2B5EF4-FFF2-40B4-BE49-F238E27FC236}">
+                <a16:creationId xmlns:a16="http://schemas.microsoft.com/office/drawing/2014/main" id="{85B5446D-F07A-4BCB-8BD8-A57E74D01986}"/>
+              </a:ext>
+            </a:extLst>
+          </p:cNvPr>
+          <p:cNvPicPr>
+            <a:picLocks noChangeAspect="1"/>
+          </p:cNvPicPr>
+          <p:nvPr/>
+        </p:nvPicPr>
+        <p:blipFill>
+          <a:blip r:embed="rId2">
+            <a:extLst>
+              <a:ext uri="{28A0092B-C50C-407E-A947-70E740481C1C}">
+                <a14:useLocalDpi xmlns:a14="http://schemas.microsoft.com/office/drawing/2010/main" val="0"/>
+              </a:ext>
+            </a:extLst>
+          </a:blip>
+          <a:stretch>
+            <a:fillRect/>
+          </a:stretch>
+        </p:blipFill>
+        <p:spPr>
+          <a:xfrm>
+            <a:off x="0" y="3429000"/>
+            <a:ext cx="3760788" cy="3760788"/>
+          </a:xfrm>
+          <a:prstGeom prst="rect">
+            <a:avLst/>
+          </a:prstGeom>
+        </p:spPr>
+      </p:pic>
       <p:sp>
         <p:nvSpPr>
           <p:cNvPr id="2" name="Заголовок 1">
             <a:extLst>
               <a:ext uri="{FF2B5EF4-FFF2-40B4-BE49-F238E27FC236}">
-                <a16:creationId xmlns:a16="http://schemas.microsoft.com/office/drawing/2014/main" id="{82EBA56A-EA18-4B04-9428-42E69905FEA4}"/>
+                <a16:creationId xmlns:a16="http://schemas.microsoft.com/office/drawing/2014/main" id="{AC490688-9FE5-402D-92C3-D274FE6722A0}"/>
               </a:ext>
             </a:extLst>
           </p:cNvPr>
@@ -2997,13 +2909,13 @@
             <a:spLocks noGrp="1"/>
           </p:cNvSpPr>
           <p:nvPr>
-            <p:ph type="ctrTitle"/>
+            <p:ph type="title"/>
           </p:nvPr>
         </p:nvSpPr>
         <p:spPr>
           <a:xfrm>
-            <a:off x="1524000" y="1415327"/>
-            <a:ext cx="9144000" cy="2387600"/>
+            <a:off x="838200" y="302979"/>
+            <a:ext cx="10515600" cy="1325563"/>
           </a:xfrm>
         </p:spPr>
         <p:txBody>
@@ -3012,7 +2924,83 @@
           <a:p>
             <a:r>
               <a:rPr lang="ru-RU" dirty="0"/>
-              <a:t>Конец.</a:t>
+              <a:t>Что дальше</a:t>
+            </a:r>
+          </a:p>
+        </p:txBody>
+      </p:sp>
+      <p:sp>
+        <p:nvSpPr>
+          <p:cNvPr id="3" name="Объект 2">
+            <a:extLst>
+              <a:ext uri="{FF2B5EF4-FFF2-40B4-BE49-F238E27FC236}">
+                <a16:creationId xmlns:a16="http://schemas.microsoft.com/office/drawing/2014/main" id="{167CE06E-B42F-48F3-9A1D-A2B9AE1A0FC4}"/>
+              </a:ext>
+            </a:extLst>
+          </p:cNvPr>
+          <p:cNvSpPr>
+            <a:spLocks noGrp="1"/>
+          </p:cNvSpPr>
+          <p:nvPr>
+            <p:ph idx="1"/>
+          </p:nvPr>
+        </p:nvSpPr>
+        <p:spPr>
+          <a:xfrm>
+            <a:off x="838200" y="1763478"/>
+            <a:ext cx="10515600" cy="5107835"/>
+          </a:xfrm>
+        </p:spPr>
+        <p:txBody>
+          <a:bodyPr>
+            <a:normAutofit/>
+          </a:bodyPr>
+          <a:lstStyle/>
+          <a:p>
+            <a:pPr marL="0" indent="0">
+              <a:buNone/>
+            </a:pPr>
+            <a:r>
+              <a:rPr lang="ru-RU" dirty="0"/>
+              <a:t>— Тестирование, адаптация под запросы </a:t>
+            </a:r>
+            <a:r>
+              <a:rPr lang="ru-RU" dirty="0" err="1"/>
+              <a:t>пользовате</a:t>
+            </a:r>
+            <a:r>
+              <a:rPr lang="ru-RU" dirty="0"/>
+              <a:t>-лей, чтобы сделать всё ещё удобнее. Только так платформа сможет стать полезной.</a:t>
+            </a:r>
+          </a:p>
+          <a:p>
+            <a:pPr marL="0" indent="0">
+              <a:buNone/>
+            </a:pPr>
+            <a:endParaRPr lang="ru-RU" dirty="0"/>
+          </a:p>
+          <a:p>
+            <a:pPr marL="0" indent="0">
+              <a:buNone/>
+            </a:pPr>
+            <a:r>
+              <a:rPr lang="ru-RU" dirty="0"/>
+              <a:t>— Развитие функциональности — новые типы ответов, группировка пользователей в классы, управление доступами к разным работам разными классами.</a:t>
+            </a:r>
+          </a:p>
+          <a:p>
+            <a:pPr marL="0" indent="0">
+              <a:buNone/>
+            </a:pPr>
+            <a:endParaRPr lang="ru-RU" dirty="0"/>
+          </a:p>
+          <a:p>
+            <a:pPr marL="0" indent="0">
+              <a:buNone/>
+            </a:pPr>
+            <a:r>
+              <a:rPr lang="ru-RU" dirty="0"/>
+              <a:t>— Масштабирование продукта на всю школу, интеграция платформы в учебный процесс.</a:t>
             </a:r>
           </a:p>
         </p:txBody>
@@ -3020,7 +3008,1046 @@
     </p:spTree>
     <p:extLst>
       <p:ext uri="{BB962C8B-B14F-4D97-AF65-F5344CB8AC3E}">
-        <p14:creationId xmlns:p14="http://schemas.microsoft.com/office/powerpoint/2010/main" val="118651073"/>
+        <p14:creationId xmlns:p14="http://schemas.microsoft.com/office/powerpoint/2010/main" val="362335759"/>
+      </p:ext>
+    </p:extLst>
+  </p:cSld>
+  <p:clrMapOvr>
+    <a:masterClrMapping/>
+  </p:clrMapOvr>
+</p:sld>
+</file>
+
+<file path=ppt/slides/slide15.xml><?xml version="1.0" encoding="utf-8"?>
+<p:sld xmlns:a="http://schemas.openxmlformats.org/drawingml/2006/main" xmlns:r="http://schemas.openxmlformats.org/officeDocument/2006/relationships" xmlns:p="http://schemas.openxmlformats.org/presentationml/2006/main">
+  <p:cSld>
+    <p:spTree>
+      <p:nvGrpSpPr>
+        <p:cNvPr id="1" name=""/>
+        <p:cNvGrpSpPr/>
+        <p:nvPr/>
+      </p:nvGrpSpPr>
+      <p:grpSpPr>
+        <a:xfrm>
+          <a:off x="0" y="0"/>
+          <a:ext cx="0" cy="0"/>
+          <a:chOff x="0" y="0"/>
+          <a:chExt cx="0" cy="0"/>
+        </a:xfrm>
+      </p:grpSpPr>
+      <p:sp>
+        <p:nvSpPr>
+          <p:cNvPr id="2" name="Заголовок 1">
+            <a:extLst>
+              <a:ext uri="{FF2B5EF4-FFF2-40B4-BE49-F238E27FC236}">
+                <a16:creationId xmlns:a16="http://schemas.microsoft.com/office/drawing/2014/main" id="{AC490688-9FE5-402D-92C3-D274FE6722A0}"/>
+              </a:ext>
+            </a:extLst>
+          </p:cNvPr>
+          <p:cNvSpPr>
+            <a:spLocks noGrp="1"/>
+          </p:cNvSpPr>
+          <p:nvPr>
+            <p:ph type="title"/>
+          </p:nvPr>
+        </p:nvSpPr>
+        <p:spPr>
+          <a:xfrm>
+            <a:off x="838200" y="302979"/>
+            <a:ext cx="10515600" cy="1325563"/>
+          </a:xfrm>
+        </p:spPr>
+        <p:txBody>
+          <a:bodyPr/>
+          <a:lstStyle/>
+          <a:p>
+            <a:r>
+              <a:rPr lang="ru-RU" dirty="0"/>
+              <a:t>Вывод</a:t>
+            </a:r>
+          </a:p>
+        </p:txBody>
+      </p:sp>
+      <p:sp>
+        <p:nvSpPr>
+          <p:cNvPr id="3" name="Объект 2">
+            <a:extLst>
+              <a:ext uri="{FF2B5EF4-FFF2-40B4-BE49-F238E27FC236}">
+                <a16:creationId xmlns:a16="http://schemas.microsoft.com/office/drawing/2014/main" id="{167CE06E-B42F-48F3-9A1D-A2B9AE1A0FC4}"/>
+              </a:ext>
+            </a:extLst>
+          </p:cNvPr>
+          <p:cNvSpPr>
+            <a:spLocks noGrp="1"/>
+          </p:cNvSpPr>
+          <p:nvPr>
+            <p:ph idx="1"/>
+          </p:nvPr>
+        </p:nvSpPr>
+        <p:spPr>
+          <a:xfrm>
+            <a:off x="838200" y="1763478"/>
+            <a:ext cx="10515600" cy="5107835"/>
+          </a:xfrm>
+        </p:spPr>
+        <p:txBody>
+          <a:bodyPr>
+            <a:normAutofit/>
+          </a:bodyPr>
+          <a:lstStyle/>
+          <a:p>
+            <a:pPr marL="0" indent="0">
+              <a:buNone/>
+            </a:pPr>
+            <a:r>
+              <a:rPr lang="ru-RU" dirty="0" err="1"/>
+              <a:t>Чеккер</a:t>
+            </a:r>
+            <a:r>
+              <a:rPr lang="en-US" dirty="0"/>
+              <a:t> </a:t>
+            </a:r>
+            <a:r>
+              <a:rPr lang="ru-RU" dirty="0"/>
+              <a:t>легко масштабируется, поэтому его можно использовать для проверки знаний во всей школе по всем предметам.</a:t>
+            </a:r>
+          </a:p>
+          <a:p>
+            <a:pPr marL="0" indent="0">
+              <a:buNone/>
+            </a:pPr>
+            <a:endParaRPr lang="ru-RU" dirty="0"/>
+          </a:p>
+          <a:p>
+            <a:pPr marL="0" indent="0">
+              <a:buNone/>
+            </a:pPr>
+            <a:r>
+              <a:rPr lang="ru-RU" dirty="0"/>
+              <a:t>Автоматизирует процессы, экономит время. Имеет низкий порог входа для преподавателей и учащихся.</a:t>
+            </a:r>
+          </a:p>
+        </p:txBody>
+      </p:sp>
+    </p:spTree>
+    <p:extLst>
+      <p:ext uri="{BB962C8B-B14F-4D97-AF65-F5344CB8AC3E}">
+        <p14:creationId xmlns:p14="http://schemas.microsoft.com/office/powerpoint/2010/main" val="1053065404"/>
+      </p:ext>
+    </p:extLst>
+  </p:cSld>
+  <p:clrMapOvr>
+    <a:masterClrMapping/>
+  </p:clrMapOvr>
+</p:sld>
+</file>
+
+<file path=ppt/slides/slide16.xml><?xml version="1.0" encoding="utf-8"?>
+<p:sld xmlns:a="http://schemas.openxmlformats.org/drawingml/2006/main" xmlns:r="http://schemas.openxmlformats.org/officeDocument/2006/relationships" xmlns:p="http://schemas.openxmlformats.org/presentationml/2006/main">
+  <p:cSld>
+    <p:spTree>
+      <p:nvGrpSpPr>
+        <p:cNvPr id="1" name=""/>
+        <p:cNvGrpSpPr/>
+        <p:nvPr/>
+      </p:nvGrpSpPr>
+      <p:grpSpPr>
+        <a:xfrm>
+          <a:off x="0" y="0"/>
+          <a:ext cx="0" cy="0"/>
+          <a:chOff x="0" y="0"/>
+          <a:chExt cx="0" cy="0"/>
+        </a:xfrm>
+      </p:grpSpPr>
+      <p:sp>
+        <p:nvSpPr>
+          <p:cNvPr id="2" name="Заголовок 1">
+            <a:extLst>
+              <a:ext uri="{FF2B5EF4-FFF2-40B4-BE49-F238E27FC236}">
+                <a16:creationId xmlns:a16="http://schemas.microsoft.com/office/drawing/2014/main" id="{AC490688-9FE5-402D-92C3-D274FE6722A0}"/>
+              </a:ext>
+            </a:extLst>
+          </p:cNvPr>
+          <p:cNvSpPr>
+            <a:spLocks noGrp="1"/>
+          </p:cNvSpPr>
+          <p:nvPr>
+            <p:ph type="title"/>
+          </p:nvPr>
+        </p:nvSpPr>
+        <p:spPr>
+          <a:xfrm>
+            <a:off x="838200" y="302979"/>
+            <a:ext cx="10515600" cy="1325563"/>
+          </a:xfrm>
+        </p:spPr>
+        <p:txBody>
+          <a:bodyPr>
+            <a:normAutofit/>
+          </a:bodyPr>
+          <a:lstStyle/>
+          <a:p>
+            <a:r>
+              <a:rPr lang="ru-RU" sz="6000" dirty="0"/>
+              <a:t>Где я</a:t>
+            </a:r>
+          </a:p>
+        </p:txBody>
+      </p:sp>
+      <p:pic>
+        <p:nvPicPr>
+          <p:cNvPr id="6" name="Рисунок 5">
+            <a:extLst>
+              <a:ext uri="{FF2B5EF4-FFF2-40B4-BE49-F238E27FC236}">
+                <a16:creationId xmlns:a16="http://schemas.microsoft.com/office/drawing/2014/main" id="{03E20DA3-8349-4696-BF22-DF2E56715E16}"/>
+              </a:ext>
+            </a:extLst>
+          </p:cNvPr>
+          <p:cNvPicPr>
+            <a:picLocks noChangeAspect="1"/>
+          </p:cNvPicPr>
+          <p:nvPr/>
+        </p:nvPicPr>
+        <p:blipFill>
+          <a:blip r:embed="rId2">
+            <a:extLst>
+              <a:ext uri="{28A0092B-C50C-407E-A947-70E740481C1C}">
+                <a14:useLocalDpi xmlns:a14="http://schemas.microsoft.com/office/drawing/2010/main" val="0"/>
+              </a:ext>
+              <a:ext uri="{96DAC541-7B7A-43D3-8B79-37D633B846F1}">
+                <asvg:svgBlip xmlns:asvg="http://schemas.microsoft.com/office/drawing/2016/SVG/main" r:embed="rId3"/>
+              </a:ext>
+            </a:extLst>
+          </a:blip>
+          <a:stretch>
+            <a:fillRect/>
+          </a:stretch>
+        </p:blipFill>
+        <p:spPr>
+          <a:xfrm>
+            <a:off x="959914" y="1860540"/>
+            <a:ext cx="811693" cy="811693"/>
+          </a:xfrm>
+          <a:prstGeom prst="rect">
+            <a:avLst/>
+          </a:prstGeom>
+        </p:spPr>
+      </p:pic>
+      <p:sp>
+        <p:nvSpPr>
+          <p:cNvPr id="7" name="Подзаголовок 2">
+            <a:extLst>
+              <a:ext uri="{FF2B5EF4-FFF2-40B4-BE49-F238E27FC236}">
+                <a16:creationId xmlns:a16="http://schemas.microsoft.com/office/drawing/2014/main" id="{49740309-ED6C-4FB7-9BCF-5B4C1B0435E5}"/>
+              </a:ext>
+            </a:extLst>
+          </p:cNvPr>
+          <p:cNvSpPr txBox="1">
+            <a:spLocks/>
+          </p:cNvSpPr>
+          <p:nvPr/>
+        </p:nvSpPr>
+        <p:spPr>
+          <a:xfrm>
+            <a:off x="1981200" y="1930109"/>
+            <a:ext cx="10515600" cy="811693"/>
+          </a:xfrm>
+          <a:prstGeom prst="rect">
+            <a:avLst/>
+          </a:prstGeom>
+        </p:spPr>
+        <p:txBody>
+          <a:bodyPr vert="horz" lIns="91440" tIns="45720" rIns="91440" bIns="45720" rtlCol="0">
+            <a:noAutofit/>
+          </a:bodyPr>
+          <a:lstStyle>
+            <a:lvl1pPr marL="228600" indent="-228600" algn="l" defTabSz="914400" rtl="0" eaLnBrk="1" latinLnBrk="0" hangingPunct="1">
+              <a:lnSpc>
+                <a:spcPct val="90000"/>
+              </a:lnSpc>
+              <a:spcBef>
+                <a:spcPts val="1000"/>
+              </a:spcBef>
+              <a:buFont typeface="Arial" panose="020B0604020202020204" pitchFamily="34" charset="0"/>
+              <a:buChar char="•"/>
+              <a:defRPr sz="2800" kern="1200">
+                <a:solidFill>
+                  <a:schemeClr val="tx1"/>
+                </a:solidFill>
+                <a:latin typeface="PT Serif Caption" panose="02060603050505020204" pitchFamily="18" charset="-52"/>
+                <a:ea typeface="PT Serif Caption" panose="02060603050505020204" pitchFamily="18" charset="-52"/>
+                <a:cs typeface="+mn-cs"/>
+              </a:defRPr>
+            </a:lvl1pPr>
+            <a:lvl2pPr marL="685800" indent="-228600" algn="l" defTabSz="914400" rtl="0" eaLnBrk="1" latinLnBrk="0" hangingPunct="1">
+              <a:lnSpc>
+                <a:spcPct val="90000"/>
+              </a:lnSpc>
+              <a:spcBef>
+                <a:spcPts val="500"/>
+              </a:spcBef>
+              <a:buFont typeface="Arial" panose="020B0604020202020204" pitchFamily="34" charset="0"/>
+              <a:buChar char="•"/>
+              <a:defRPr sz="2400" kern="1200">
+                <a:solidFill>
+                  <a:schemeClr val="tx1"/>
+                </a:solidFill>
+                <a:latin typeface="PT Serif Caption" panose="02060603050505020204" pitchFamily="18" charset="-52"/>
+                <a:ea typeface="PT Serif Caption" panose="02060603050505020204" pitchFamily="18" charset="-52"/>
+                <a:cs typeface="+mn-cs"/>
+              </a:defRPr>
+            </a:lvl2pPr>
+            <a:lvl3pPr marL="1143000" indent="-228600" algn="l" defTabSz="914400" rtl="0" eaLnBrk="1" latinLnBrk="0" hangingPunct="1">
+              <a:lnSpc>
+                <a:spcPct val="90000"/>
+              </a:lnSpc>
+              <a:spcBef>
+                <a:spcPts val="500"/>
+              </a:spcBef>
+              <a:buFont typeface="Arial" panose="020B0604020202020204" pitchFamily="34" charset="0"/>
+              <a:buChar char="•"/>
+              <a:defRPr sz="2000" kern="1200">
+                <a:solidFill>
+                  <a:schemeClr val="tx1"/>
+                </a:solidFill>
+                <a:latin typeface="PT Serif Caption" panose="02060603050505020204" pitchFamily="18" charset="-52"/>
+                <a:ea typeface="PT Serif Caption" panose="02060603050505020204" pitchFamily="18" charset="-52"/>
+                <a:cs typeface="+mn-cs"/>
+              </a:defRPr>
+            </a:lvl3pPr>
+            <a:lvl4pPr marL="1600200" indent="-228600" algn="l" defTabSz="914400" rtl="0" eaLnBrk="1" latinLnBrk="0" hangingPunct="1">
+              <a:lnSpc>
+                <a:spcPct val="90000"/>
+              </a:lnSpc>
+              <a:spcBef>
+                <a:spcPts val="500"/>
+              </a:spcBef>
+              <a:buFont typeface="Arial" panose="020B0604020202020204" pitchFamily="34" charset="0"/>
+              <a:buChar char="•"/>
+              <a:defRPr sz="1800" kern="1200">
+                <a:solidFill>
+                  <a:schemeClr val="tx1"/>
+                </a:solidFill>
+                <a:latin typeface="PT Serif Caption" panose="02060603050505020204" pitchFamily="18" charset="-52"/>
+                <a:ea typeface="PT Serif Caption" panose="02060603050505020204" pitchFamily="18" charset="-52"/>
+                <a:cs typeface="+mn-cs"/>
+              </a:defRPr>
+            </a:lvl4pPr>
+            <a:lvl5pPr marL="2057400" indent="-228600" algn="l" defTabSz="914400" rtl="0" eaLnBrk="1" latinLnBrk="0" hangingPunct="1">
+              <a:lnSpc>
+                <a:spcPct val="90000"/>
+              </a:lnSpc>
+              <a:spcBef>
+                <a:spcPts val="500"/>
+              </a:spcBef>
+              <a:buFont typeface="Arial" panose="020B0604020202020204" pitchFamily="34" charset="0"/>
+              <a:buChar char="•"/>
+              <a:defRPr sz="1800" kern="1200">
+                <a:solidFill>
+                  <a:schemeClr val="tx1"/>
+                </a:solidFill>
+                <a:latin typeface="PT Serif Caption" panose="02060603050505020204" pitchFamily="18" charset="-52"/>
+                <a:ea typeface="PT Serif Caption" panose="02060603050505020204" pitchFamily="18" charset="-52"/>
+                <a:cs typeface="+mn-cs"/>
+              </a:defRPr>
+            </a:lvl5pPr>
+            <a:lvl6pPr marL="2514600" indent="-228600" algn="l" defTabSz="914400" rtl="0" eaLnBrk="1" latinLnBrk="0" hangingPunct="1">
+              <a:lnSpc>
+                <a:spcPct val="90000"/>
+              </a:lnSpc>
+              <a:spcBef>
+                <a:spcPts val="500"/>
+              </a:spcBef>
+              <a:buFont typeface="Arial" panose="020B0604020202020204" pitchFamily="34" charset="0"/>
+              <a:buChar char="•"/>
+              <a:defRPr sz="1800" kern="1200">
+                <a:solidFill>
+                  <a:schemeClr val="tx1"/>
+                </a:solidFill>
+                <a:latin typeface="+mn-lt"/>
+                <a:ea typeface="+mn-ea"/>
+                <a:cs typeface="+mn-cs"/>
+              </a:defRPr>
+            </a:lvl6pPr>
+            <a:lvl7pPr marL="2971800" indent="-228600" algn="l" defTabSz="914400" rtl="0" eaLnBrk="1" latinLnBrk="0" hangingPunct="1">
+              <a:lnSpc>
+                <a:spcPct val="90000"/>
+              </a:lnSpc>
+              <a:spcBef>
+                <a:spcPts val="500"/>
+              </a:spcBef>
+              <a:buFont typeface="Arial" panose="020B0604020202020204" pitchFamily="34" charset="0"/>
+              <a:buChar char="•"/>
+              <a:defRPr sz="1800" kern="1200">
+                <a:solidFill>
+                  <a:schemeClr val="tx1"/>
+                </a:solidFill>
+                <a:latin typeface="+mn-lt"/>
+                <a:ea typeface="+mn-ea"/>
+                <a:cs typeface="+mn-cs"/>
+              </a:defRPr>
+            </a:lvl7pPr>
+            <a:lvl8pPr marL="3429000" indent="-228600" algn="l" defTabSz="914400" rtl="0" eaLnBrk="1" latinLnBrk="0" hangingPunct="1">
+              <a:lnSpc>
+                <a:spcPct val="90000"/>
+              </a:lnSpc>
+              <a:spcBef>
+                <a:spcPts val="500"/>
+              </a:spcBef>
+              <a:buFont typeface="Arial" panose="020B0604020202020204" pitchFamily="34" charset="0"/>
+              <a:buChar char="•"/>
+              <a:defRPr sz="1800" kern="1200">
+                <a:solidFill>
+                  <a:schemeClr val="tx1"/>
+                </a:solidFill>
+                <a:latin typeface="+mn-lt"/>
+                <a:ea typeface="+mn-ea"/>
+                <a:cs typeface="+mn-cs"/>
+              </a:defRPr>
+            </a:lvl8pPr>
+            <a:lvl9pPr marL="3886200" indent="-228600" algn="l" defTabSz="914400" rtl="0" eaLnBrk="1" latinLnBrk="0" hangingPunct="1">
+              <a:lnSpc>
+                <a:spcPct val="90000"/>
+              </a:lnSpc>
+              <a:spcBef>
+                <a:spcPts val="500"/>
+              </a:spcBef>
+              <a:buFont typeface="Arial" panose="020B0604020202020204" pitchFamily="34" charset="0"/>
+              <a:buChar char="•"/>
+              <a:defRPr sz="1800" kern="1200">
+                <a:solidFill>
+                  <a:schemeClr val="tx1"/>
+                </a:solidFill>
+                <a:latin typeface="+mn-lt"/>
+                <a:ea typeface="+mn-ea"/>
+                <a:cs typeface="+mn-cs"/>
+              </a:defRPr>
+            </a:lvl9pPr>
+          </a:lstStyle>
+          <a:p>
+            <a:pPr marL="0" indent="0">
+              <a:buFont typeface="Arial" panose="020B0604020202020204" pitchFamily="34" charset="0"/>
+              <a:buNone/>
+            </a:pPr>
+            <a:r>
+              <a:rPr lang="en-US" sz="4000" b="1" dirty="0">
+                <a:latin typeface="Golos Text VF" pitchFamily="2" charset="0"/>
+                <a:ea typeface="Golos Text VF" pitchFamily="2" charset="0"/>
+              </a:rPr>
+              <a:t>cdarr.ru</a:t>
+            </a:r>
+            <a:endParaRPr lang="ru-RU" sz="4000" b="1" dirty="0">
+              <a:latin typeface="Golos Text VF" pitchFamily="2" charset="0"/>
+              <a:ea typeface="Golos Text VF" pitchFamily="2" charset="0"/>
+            </a:endParaRPr>
+          </a:p>
+        </p:txBody>
+      </p:sp>
+      <p:sp>
+        <p:nvSpPr>
+          <p:cNvPr id="8" name="Подзаголовок 2">
+            <a:extLst>
+              <a:ext uri="{FF2B5EF4-FFF2-40B4-BE49-F238E27FC236}">
+                <a16:creationId xmlns:a16="http://schemas.microsoft.com/office/drawing/2014/main" id="{70F622E8-7BFC-476E-91E4-765A1AE52849}"/>
+              </a:ext>
+            </a:extLst>
+          </p:cNvPr>
+          <p:cNvSpPr txBox="1">
+            <a:spLocks/>
+          </p:cNvSpPr>
+          <p:nvPr/>
+        </p:nvSpPr>
+        <p:spPr>
+          <a:xfrm>
+            <a:off x="1981200" y="2963770"/>
+            <a:ext cx="10515600" cy="613229"/>
+          </a:xfrm>
+          <a:prstGeom prst="rect">
+            <a:avLst/>
+          </a:prstGeom>
+        </p:spPr>
+        <p:txBody>
+          <a:bodyPr vert="horz" lIns="91440" tIns="45720" rIns="91440" bIns="45720" rtlCol="0">
+            <a:normAutofit/>
+          </a:bodyPr>
+          <a:lstStyle>
+            <a:lvl1pPr marL="228600" indent="-228600" algn="l" defTabSz="914400" rtl="0" eaLnBrk="1" latinLnBrk="0" hangingPunct="1">
+              <a:lnSpc>
+                <a:spcPct val="110000"/>
+              </a:lnSpc>
+              <a:spcBef>
+                <a:spcPts val="1500"/>
+              </a:spcBef>
+              <a:buFont typeface="Arial" panose="020B0604020202020204" pitchFamily="34" charset="0"/>
+              <a:buChar char="•"/>
+              <a:defRPr sz="2800" b="0" kern="1200">
+                <a:solidFill>
+                  <a:schemeClr val="tx1"/>
+                </a:solidFill>
+                <a:latin typeface="PT Serif Caption" panose="02060603050505020204" pitchFamily="18" charset="-52"/>
+                <a:ea typeface="PT Serif Caption" panose="02060603050505020204" pitchFamily="18" charset="-52"/>
+                <a:cs typeface="+mn-cs"/>
+              </a:defRPr>
+            </a:lvl1pPr>
+            <a:lvl2pPr marL="685800" indent="-228600" algn="l" defTabSz="914400" rtl="0" eaLnBrk="1" latinLnBrk="0" hangingPunct="1">
+              <a:lnSpc>
+                <a:spcPct val="110000"/>
+              </a:lnSpc>
+              <a:spcBef>
+                <a:spcPts val="1500"/>
+              </a:spcBef>
+              <a:buFont typeface="Arial" panose="020B0604020202020204" pitchFamily="34" charset="0"/>
+              <a:buChar char="•"/>
+              <a:defRPr sz="2400" kern="1200">
+                <a:solidFill>
+                  <a:schemeClr val="tx1"/>
+                </a:solidFill>
+                <a:latin typeface="PT Serif" panose="020A0603040505020204" pitchFamily="18" charset="-52"/>
+                <a:ea typeface="PT Serif" panose="020A0603040505020204" pitchFamily="18" charset="-52"/>
+                <a:cs typeface="+mn-cs"/>
+              </a:defRPr>
+            </a:lvl2pPr>
+            <a:lvl3pPr marL="1143000" indent="-228600" algn="l" defTabSz="914400" rtl="0" eaLnBrk="1" latinLnBrk="0" hangingPunct="1">
+              <a:lnSpc>
+                <a:spcPct val="110000"/>
+              </a:lnSpc>
+              <a:spcBef>
+                <a:spcPts val="1500"/>
+              </a:spcBef>
+              <a:buFont typeface="Arial" panose="020B0604020202020204" pitchFamily="34" charset="0"/>
+              <a:buChar char="•"/>
+              <a:defRPr sz="2000" kern="1200">
+                <a:solidFill>
+                  <a:schemeClr val="tx1"/>
+                </a:solidFill>
+                <a:latin typeface="PT Serif" panose="020A0603040505020204" pitchFamily="18" charset="-52"/>
+                <a:ea typeface="PT Serif" panose="020A0603040505020204" pitchFamily="18" charset="-52"/>
+                <a:cs typeface="+mn-cs"/>
+              </a:defRPr>
+            </a:lvl3pPr>
+            <a:lvl4pPr marL="1600200" indent="-228600" algn="l" defTabSz="914400" rtl="0" eaLnBrk="1" latinLnBrk="0" hangingPunct="1">
+              <a:lnSpc>
+                <a:spcPct val="110000"/>
+              </a:lnSpc>
+              <a:spcBef>
+                <a:spcPts val="1500"/>
+              </a:spcBef>
+              <a:buFont typeface="Arial" panose="020B0604020202020204" pitchFamily="34" charset="0"/>
+              <a:buChar char="•"/>
+              <a:defRPr sz="1800" kern="1200">
+                <a:solidFill>
+                  <a:schemeClr val="tx1"/>
+                </a:solidFill>
+                <a:latin typeface="PT Serif" panose="020A0603040505020204" pitchFamily="18" charset="-52"/>
+                <a:ea typeface="PT Serif" panose="020A0603040505020204" pitchFamily="18" charset="-52"/>
+                <a:cs typeface="+mn-cs"/>
+              </a:defRPr>
+            </a:lvl4pPr>
+            <a:lvl5pPr marL="2057400" indent="-228600" algn="l" defTabSz="914400" rtl="0" eaLnBrk="1" latinLnBrk="0" hangingPunct="1">
+              <a:lnSpc>
+                <a:spcPct val="110000"/>
+              </a:lnSpc>
+              <a:spcBef>
+                <a:spcPts val="1500"/>
+              </a:spcBef>
+              <a:buFont typeface="Arial" panose="020B0604020202020204" pitchFamily="34" charset="0"/>
+              <a:buChar char="•"/>
+              <a:defRPr sz="1800" kern="1200">
+                <a:solidFill>
+                  <a:schemeClr val="tx1"/>
+                </a:solidFill>
+                <a:latin typeface="PT Serif" panose="020A0603040505020204" pitchFamily="18" charset="-52"/>
+                <a:ea typeface="PT Serif" panose="020A0603040505020204" pitchFamily="18" charset="-52"/>
+                <a:cs typeface="+mn-cs"/>
+              </a:defRPr>
+            </a:lvl5pPr>
+            <a:lvl6pPr marL="2514600" indent="-228600" algn="l" defTabSz="914400" rtl="0" eaLnBrk="1" latinLnBrk="0" hangingPunct="1">
+              <a:lnSpc>
+                <a:spcPct val="90000"/>
+              </a:lnSpc>
+              <a:spcBef>
+                <a:spcPts val="500"/>
+              </a:spcBef>
+              <a:buFont typeface="Arial" panose="020B0604020202020204" pitchFamily="34" charset="0"/>
+              <a:buChar char="•"/>
+              <a:defRPr sz="1800" kern="1200">
+                <a:solidFill>
+                  <a:schemeClr val="tx1"/>
+                </a:solidFill>
+                <a:latin typeface="+mn-lt"/>
+                <a:ea typeface="+mn-ea"/>
+                <a:cs typeface="+mn-cs"/>
+              </a:defRPr>
+            </a:lvl6pPr>
+            <a:lvl7pPr marL="2971800" indent="-228600" algn="l" defTabSz="914400" rtl="0" eaLnBrk="1" latinLnBrk="0" hangingPunct="1">
+              <a:lnSpc>
+                <a:spcPct val="90000"/>
+              </a:lnSpc>
+              <a:spcBef>
+                <a:spcPts val="500"/>
+              </a:spcBef>
+              <a:buFont typeface="Arial" panose="020B0604020202020204" pitchFamily="34" charset="0"/>
+              <a:buChar char="•"/>
+              <a:defRPr sz="1800" kern="1200">
+                <a:solidFill>
+                  <a:schemeClr val="tx1"/>
+                </a:solidFill>
+                <a:latin typeface="+mn-lt"/>
+                <a:ea typeface="+mn-ea"/>
+                <a:cs typeface="+mn-cs"/>
+              </a:defRPr>
+            </a:lvl7pPr>
+            <a:lvl8pPr marL="3429000" indent="-228600" algn="l" defTabSz="914400" rtl="0" eaLnBrk="1" latinLnBrk="0" hangingPunct="1">
+              <a:lnSpc>
+                <a:spcPct val="90000"/>
+              </a:lnSpc>
+              <a:spcBef>
+                <a:spcPts val="500"/>
+              </a:spcBef>
+              <a:buFont typeface="Arial" panose="020B0604020202020204" pitchFamily="34" charset="0"/>
+              <a:buChar char="•"/>
+              <a:defRPr sz="1800" kern="1200">
+                <a:solidFill>
+                  <a:schemeClr val="tx1"/>
+                </a:solidFill>
+                <a:latin typeface="+mn-lt"/>
+                <a:ea typeface="+mn-ea"/>
+                <a:cs typeface="+mn-cs"/>
+              </a:defRPr>
+            </a:lvl8pPr>
+            <a:lvl9pPr marL="3886200" indent="-228600" algn="l" defTabSz="914400" rtl="0" eaLnBrk="1" latinLnBrk="0" hangingPunct="1">
+              <a:lnSpc>
+                <a:spcPct val="90000"/>
+              </a:lnSpc>
+              <a:spcBef>
+                <a:spcPts val="500"/>
+              </a:spcBef>
+              <a:buFont typeface="Arial" panose="020B0604020202020204" pitchFamily="34" charset="0"/>
+              <a:buChar char="•"/>
+              <a:defRPr sz="1800" kern="1200">
+                <a:solidFill>
+                  <a:schemeClr val="tx1"/>
+                </a:solidFill>
+                <a:latin typeface="+mn-lt"/>
+                <a:ea typeface="+mn-ea"/>
+                <a:cs typeface="+mn-cs"/>
+              </a:defRPr>
+            </a:lvl9pPr>
+          </a:lstStyle>
+          <a:p>
+            <a:pPr marL="0" indent="0">
+              <a:buFont typeface="Arial" panose="020B0604020202020204" pitchFamily="34" charset="0"/>
+              <a:buNone/>
+            </a:pPr>
+            <a:r>
+              <a:rPr lang="en-US" sz="3200" dirty="0"/>
+              <a:t>t.me/</a:t>
+            </a:r>
+            <a:r>
+              <a:rPr lang="en-US" sz="3200" dirty="0" err="1"/>
+              <a:t>wspectator</a:t>
+            </a:r>
+            <a:endParaRPr lang="ru-RU" sz="3200" dirty="0"/>
+          </a:p>
+        </p:txBody>
+      </p:sp>
+      <p:pic>
+        <p:nvPicPr>
+          <p:cNvPr id="9" name="Picture 4">
+            <a:extLst>
+              <a:ext uri="{FF2B5EF4-FFF2-40B4-BE49-F238E27FC236}">
+                <a16:creationId xmlns:a16="http://schemas.microsoft.com/office/drawing/2014/main" id="{F51AA737-E317-495C-80F7-7C1CAF3384BE}"/>
+              </a:ext>
+            </a:extLst>
+          </p:cNvPr>
+          <p:cNvPicPr>
+            <a:picLocks noChangeAspect="1" noChangeArrowheads="1"/>
+          </p:cNvPicPr>
+          <p:nvPr/>
+        </p:nvPicPr>
+        <p:blipFill>
+          <a:blip r:embed="rId4">
+            <a:extLst>
+              <a:ext uri="{28A0092B-C50C-407E-A947-70E740481C1C}">
+                <a14:useLocalDpi xmlns:a14="http://schemas.microsoft.com/office/drawing/2010/main" val="0"/>
+              </a:ext>
+            </a:extLst>
+          </a:blip>
+          <a:srcRect/>
+          <a:stretch>
+            <a:fillRect/>
+          </a:stretch>
+        </p:blipFill>
+        <p:spPr bwMode="auto">
+          <a:xfrm>
+            <a:off x="959914" y="2864537"/>
+            <a:ext cx="811693" cy="811693"/>
+          </a:xfrm>
+          <a:prstGeom prst="rect">
+            <a:avLst/>
+          </a:prstGeom>
+          <a:noFill/>
+          <a:extLst>
+            <a:ext uri="{909E8E84-426E-40DD-AFC4-6F175D3DCCD1}">
+              <a14:hiddenFill xmlns:a14="http://schemas.microsoft.com/office/drawing/2010/main">
+                <a:solidFill>
+                  <a:srgbClr val="FFFFFF"/>
+                </a:solidFill>
+              </a14:hiddenFill>
+            </a:ext>
+          </a:extLst>
+        </p:spPr>
+      </p:pic>
+      <p:pic>
+        <p:nvPicPr>
+          <p:cNvPr id="10" name="Рисунок 9">
+            <a:extLst>
+              <a:ext uri="{FF2B5EF4-FFF2-40B4-BE49-F238E27FC236}">
+                <a16:creationId xmlns:a16="http://schemas.microsoft.com/office/drawing/2014/main" id="{F5A140D5-141F-4DDE-A3DD-CD6EDAE13CCF}"/>
+              </a:ext>
+            </a:extLst>
+          </p:cNvPr>
+          <p:cNvPicPr>
+            <a:picLocks noChangeAspect="1"/>
+          </p:cNvPicPr>
+          <p:nvPr/>
+        </p:nvPicPr>
+        <p:blipFill>
+          <a:blip r:embed="rId5">
+            <a:extLst>
+              <a:ext uri="{28A0092B-C50C-407E-A947-70E740481C1C}">
+                <a14:useLocalDpi xmlns:a14="http://schemas.microsoft.com/office/drawing/2010/main" val="0"/>
+              </a:ext>
+            </a:extLst>
+          </a:blip>
+          <a:stretch>
+            <a:fillRect/>
+          </a:stretch>
+        </p:blipFill>
+        <p:spPr>
+          <a:xfrm>
+            <a:off x="9061014" y="-698235"/>
+            <a:ext cx="3760788" cy="3760788"/>
+          </a:xfrm>
+          <a:prstGeom prst="rect">
+            <a:avLst/>
+          </a:prstGeom>
+        </p:spPr>
+      </p:pic>
+      <p:pic>
+        <p:nvPicPr>
+          <p:cNvPr id="11" name="Рисунок 10">
+            <a:extLst>
+              <a:ext uri="{FF2B5EF4-FFF2-40B4-BE49-F238E27FC236}">
+                <a16:creationId xmlns:a16="http://schemas.microsoft.com/office/drawing/2014/main" id="{C534AA5C-3E2F-4E7A-88AE-9E87C46CCBDB}"/>
+              </a:ext>
+            </a:extLst>
+          </p:cNvPr>
+          <p:cNvPicPr>
+            <a:picLocks noChangeAspect="1"/>
+          </p:cNvPicPr>
+          <p:nvPr/>
+        </p:nvPicPr>
+        <p:blipFill>
+          <a:blip r:embed="rId5">
+            <a:extLst>
+              <a:ext uri="{28A0092B-C50C-407E-A947-70E740481C1C}">
+                <a14:useLocalDpi xmlns:a14="http://schemas.microsoft.com/office/drawing/2010/main" val="0"/>
+              </a:ext>
+            </a:extLst>
+          </a:blip>
+          <a:stretch>
+            <a:fillRect/>
+          </a:stretch>
+        </p:blipFill>
+        <p:spPr>
+          <a:xfrm>
+            <a:off x="-319325" y="5135777"/>
+            <a:ext cx="3760788" cy="3760788"/>
+          </a:xfrm>
+          <a:prstGeom prst="rect">
+            <a:avLst/>
+          </a:prstGeom>
+        </p:spPr>
+      </p:pic>
+      <p:sp>
+        <p:nvSpPr>
+          <p:cNvPr id="14" name="Подзаголовок 2">
+            <a:extLst>
+              <a:ext uri="{FF2B5EF4-FFF2-40B4-BE49-F238E27FC236}">
+                <a16:creationId xmlns:a16="http://schemas.microsoft.com/office/drawing/2014/main" id="{344F8E8C-797F-4FF6-95B7-46797A0878D1}"/>
+              </a:ext>
+            </a:extLst>
+          </p:cNvPr>
+          <p:cNvSpPr txBox="1">
+            <a:spLocks/>
+          </p:cNvSpPr>
+          <p:nvPr/>
+        </p:nvSpPr>
+        <p:spPr>
+          <a:xfrm>
+            <a:off x="1981200" y="4066635"/>
+            <a:ext cx="10515600" cy="811693"/>
+          </a:xfrm>
+          <a:prstGeom prst="rect">
+            <a:avLst/>
+          </a:prstGeom>
+        </p:spPr>
+        <p:txBody>
+          <a:bodyPr vert="horz" lIns="91440" tIns="45720" rIns="91440" bIns="45720" rtlCol="0">
+            <a:noAutofit/>
+          </a:bodyPr>
+          <a:lstStyle>
+            <a:lvl1pPr marL="228600" indent="-228600" algn="l" defTabSz="914400" rtl="0" eaLnBrk="1" latinLnBrk="0" hangingPunct="1">
+              <a:lnSpc>
+                <a:spcPct val="90000"/>
+              </a:lnSpc>
+              <a:spcBef>
+                <a:spcPts val="1000"/>
+              </a:spcBef>
+              <a:buFont typeface="Arial" panose="020B0604020202020204" pitchFamily="34" charset="0"/>
+              <a:buChar char="•"/>
+              <a:defRPr sz="2800" kern="1200">
+                <a:solidFill>
+                  <a:schemeClr val="tx1"/>
+                </a:solidFill>
+                <a:latin typeface="PT Serif Caption" panose="02060603050505020204" pitchFamily="18" charset="-52"/>
+                <a:ea typeface="PT Serif Caption" panose="02060603050505020204" pitchFamily="18" charset="-52"/>
+                <a:cs typeface="+mn-cs"/>
+              </a:defRPr>
+            </a:lvl1pPr>
+            <a:lvl2pPr marL="685800" indent="-228600" algn="l" defTabSz="914400" rtl="0" eaLnBrk="1" latinLnBrk="0" hangingPunct="1">
+              <a:lnSpc>
+                <a:spcPct val="90000"/>
+              </a:lnSpc>
+              <a:spcBef>
+                <a:spcPts val="500"/>
+              </a:spcBef>
+              <a:buFont typeface="Arial" panose="020B0604020202020204" pitchFamily="34" charset="0"/>
+              <a:buChar char="•"/>
+              <a:defRPr sz="2400" kern="1200">
+                <a:solidFill>
+                  <a:schemeClr val="tx1"/>
+                </a:solidFill>
+                <a:latin typeface="PT Serif Caption" panose="02060603050505020204" pitchFamily="18" charset="-52"/>
+                <a:ea typeface="PT Serif Caption" panose="02060603050505020204" pitchFamily="18" charset="-52"/>
+                <a:cs typeface="+mn-cs"/>
+              </a:defRPr>
+            </a:lvl2pPr>
+            <a:lvl3pPr marL="1143000" indent="-228600" algn="l" defTabSz="914400" rtl="0" eaLnBrk="1" latinLnBrk="0" hangingPunct="1">
+              <a:lnSpc>
+                <a:spcPct val="90000"/>
+              </a:lnSpc>
+              <a:spcBef>
+                <a:spcPts val="500"/>
+              </a:spcBef>
+              <a:buFont typeface="Arial" panose="020B0604020202020204" pitchFamily="34" charset="0"/>
+              <a:buChar char="•"/>
+              <a:defRPr sz="2000" kern="1200">
+                <a:solidFill>
+                  <a:schemeClr val="tx1"/>
+                </a:solidFill>
+                <a:latin typeface="PT Serif Caption" panose="02060603050505020204" pitchFamily="18" charset="-52"/>
+                <a:ea typeface="PT Serif Caption" panose="02060603050505020204" pitchFamily="18" charset="-52"/>
+                <a:cs typeface="+mn-cs"/>
+              </a:defRPr>
+            </a:lvl3pPr>
+            <a:lvl4pPr marL="1600200" indent="-228600" algn="l" defTabSz="914400" rtl="0" eaLnBrk="1" latinLnBrk="0" hangingPunct="1">
+              <a:lnSpc>
+                <a:spcPct val="90000"/>
+              </a:lnSpc>
+              <a:spcBef>
+                <a:spcPts val="500"/>
+              </a:spcBef>
+              <a:buFont typeface="Arial" panose="020B0604020202020204" pitchFamily="34" charset="0"/>
+              <a:buChar char="•"/>
+              <a:defRPr sz="1800" kern="1200">
+                <a:solidFill>
+                  <a:schemeClr val="tx1"/>
+                </a:solidFill>
+                <a:latin typeface="PT Serif Caption" panose="02060603050505020204" pitchFamily="18" charset="-52"/>
+                <a:ea typeface="PT Serif Caption" panose="02060603050505020204" pitchFamily="18" charset="-52"/>
+                <a:cs typeface="+mn-cs"/>
+              </a:defRPr>
+            </a:lvl4pPr>
+            <a:lvl5pPr marL="2057400" indent="-228600" algn="l" defTabSz="914400" rtl="0" eaLnBrk="1" latinLnBrk="0" hangingPunct="1">
+              <a:lnSpc>
+                <a:spcPct val="90000"/>
+              </a:lnSpc>
+              <a:spcBef>
+                <a:spcPts val="500"/>
+              </a:spcBef>
+              <a:buFont typeface="Arial" panose="020B0604020202020204" pitchFamily="34" charset="0"/>
+              <a:buChar char="•"/>
+              <a:defRPr sz="1800" kern="1200">
+                <a:solidFill>
+                  <a:schemeClr val="tx1"/>
+                </a:solidFill>
+                <a:latin typeface="PT Serif Caption" panose="02060603050505020204" pitchFamily="18" charset="-52"/>
+                <a:ea typeface="PT Serif Caption" panose="02060603050505020204" pitchFamily="18" charset="-52"/>
+                <a:cs typeface="+mn-cs"/>
+              </a:defRPr>
+            </a:lvl5pPr>
+            <a:lvl6pPr marL="2514600" indent="-228600" algn="l" defTabSz="914400" rtl="0" eaLnBrk="1" latinLnBrk="0" hangingPunct="1">
+              <a:lnSpc>
+                <a:spcPct val="90000"/>
+              </a:lnSpc>
+              <a:spcBef>
+                <a:spcPts val="500"/>
+              </a:spcBef>
+              <a:buFont typeface="Arial" panose="020B0604020202020204" pitchFamily="34" charset="0"/>
+              <a:buChar char="•"/>
+              <a:defRPr sz="1800" kern="1200">
+                <a:solidFill>
+                  <a:schemeClr val="tx1"/>
+                </a:solidFill>
+                <a:latin typeface="+mn-lt"/>
+                <a:ea typeface="+mn-ea"/>
+                <a:cs typeface="+mn-cs"/>
+              </a:defRPr>
+            </a:lvl6pPr>
+            <a:lvl7pPr marL="2971800" indent="-228600" algn="l" defTabSz="914400" rtl="0" eaLnBrk="1" latinLnBrk="0" hangingPunct="1">
+              <a:lnSpc>
+                <a:spcPct val="90000"/>
+              </a:lnSpc>
+              <a:spcBef>
+                <a:spcPts val="500"/>
+              </a:spcBef>
+              <a:buFont typeface="Arial" panose="020B0604020202020204" pitchFamily="34" charset="0"/>
+              <a:buChar char="•"/>
+              <a:defRPr sz="1800" kern="1200">
+                <a:solidFill>
+                  <a:schemeClr val="tx1"/>
+                </a:solidFill>
+                <a:latin typeface="+mn-lt"/>
+                <a:ea typeface="+mn-ea"/>
+                <a:cs typeface="+mn-cs"/>
+              </a:defRPr>
+            </a:lvl7pPr>
+            <a:lvl8pPr marL="3429000" indent="-228600" algn="l" defTabSz="914400" rtl="0" eaLnBrk="1" latinLnBrk="0" hangingPunct="1">
+              <a:lnSpc>
+                <a:spcPct val="90000"/>
+              </a:lnSpc>
+              <a:spcBef>
+                <a:spcPts val="500"/>
+              </a:spcBef>
+              <a:buFont typeface="Arial" panose="020B0604020202020204" pitchFamily="34" charset="0"/>
+              <a:buChar char="•"/>
+              <a:defRPr sz="1800" kern="1200">
+                <a:solidFill>
+                  <a:schemeClr val="tx1"/>
+                </a:solidFill>
+                <a:latin typeface="+mn-lt"/>
+                <a:ea typeface="+mn-ea"/>
+                <a:cs typeface="+mn-cs"/>
+              </a:defRPr>
+            </a:lvl8pPr>
+            <a:lvl9pPr marL="3886200" indent="-228600" algn="l" defTabSz="914400" rtl="0" eaLnBrk="1" latinLnBrk="0" hangingPunct="1">
+              <a:lnSpc>
+                <a:spcPct val="90000"/>
+              </a:lnSpc>
+              <a:spcBef>
+                <a:spcPts val="500"/>
+              </a:spcBef>
+              <a:buFont typeface="Arial" panose="020B0604020202020204" pitchFamily="34" charset="0"/>
+              <a:buChar char="•"/>
+              <a:defRPr sz="1800" kern="1200">
+                <a:solidFill>
+                  <a:schemeClr val="tx1"/>
+                </a:solidFill>
+                <a:latin typeface="+mn-lt"/>
+                <a:ea typeface="+mn-ea"/>
+                <a:cs typeface="+mn-cs"/>
+              </a:defRPr>
+            </a:lvl9pPr>
+          </a:lstStyle>
+          <a:p>
+            <a:pPr marL="0" indent="0">
+              <a:buFont typeface="Arial" panose="020B0604020202020204" pitchFamily="34" charset="0"/>
+              <a:buNone/>
+            </a:pPr>
+            <a:r>
+              <a:rPr lang="en-US" sz="3200" dirty="0" err="1"/>
+              <a:t>AdamArutyunov</a:t>
+            </a:r>
+            <a:r>
+              <a:rPr lang="en-US" sz="3200" dirty="0"/>
+              <a:t>/Chekker</a:t>
+            </a:r>
+            <a:endParaRPr lang="ru-RU" sz="3200" dirty="0"/>
+          </a:p>
+        </p:txBody>
+      </p:sp>
+      <p:pic>
+        <p:nvPicPr>
+          <p:cNvPr id="15" name="Рисунок 14">
+            <a:extLst>
+              <a:ext uri="{FF2B5EF4-FFF2-40B4-BE49-F238E27FC236}">
+                <a16:creationId xmlns:a16="http://schemas.microsoft.com/office/drawing/2014/main" id="{4A81EFCF-9AA5-414A-A0BD-8A17E83388AB}"/>
+              </a:ext>
+            </a:extLst>
+          </p:cNvPr>
+          <p:cNvPicPr>
+            <a:picLocks noChangeAspect="1"/>
+          </p:cNvPicPr>
+          <p:nvPr/>
+        </p:nvPicPr>
+        <p:blipFill>
+          <a:blip r:embed="rId6">
+            <a:extLst>
+              <a:ext uri="{28A0092B-C50C-407E-A947-70E740481C1C}">
+                <a14:useLocalDpi xmlns:a14="http://schemas.microsoft.com/office/drawing/2010/main" val="0"/>
+              </a:ext>
+            </a:extLst>
+          </a:blip>
+          <a:stretch>
+            <a:fillRect/>
+          </a:stretch>
+        </p:blipFill>
+        <p:spPr>
+          <a:xfrm>
+            <a:off x="959914" y="3885719"/>
+            <a:ext cx="839569" cy="811693"/>
+          </a:xfrm>
+          <a:prstGeom prst="rect">
+            <a:avLst/>
+          </a:prstGeom>
+        </p:spPr>
+      </p:pic>
+    </p:spTree>
+    <p:extLst>
+      <p:ext uri="{BB962C8B-B14F-4D97-AF65-F5344CB8AC3E}">
+        <p14:creationId xmlns:p14="http://schemas.microsoft.com/office/powerpoint/2010/main" val="2462935825"/>
+      </p:ext>
+    </p:extLst>
+  </p:cSld>
+  <p:clrMapOvr>
+    <a:masterClrMapping/>
+  </p:clrMapOvr>
+</p:sld>
+</file>
+
+<file path=ppt/slides/slide17.xml><?xml version="1.0" encoding="utf-8"?>
+<p:sld xmlns:a="http://schemas.openxmlformats.org/drawingml/2006/main" xmlns:r="http://schemas.openxmlformats.org/officeDocument/2006/relationships" xmlns:p="http://schemas.openxmlformats.org/presentationml/2006/main">
+  <p:cSld>
+    <p:spTree>
+      <p:nvGrpSpPr>
+        <p:cNvPr id="1" name=""/>
+        <p:cNvGrpSpPr/>
+        <p:nvPr/>
+      </p:nvGrpSpPr>
+      <p:grpSpPr>
+        <a:xfrm>
+          <a:off x="0" y="0"/>
+          <a:ext cx="0" cy="0"/>
+          <a:chOff x="0" y="0"/>
+          <a:chExt cx="0" cy="0"/>
+        </a:xfrm>
+      </p:grpSpPr>
+    </p:spTree>
+    <p:extLst>
+      <p:ext uri="{BB962C8B-B14F-4D97-AF65-F5344CB8AC3E}">
+        <p14:creationId xmlns:p14="http://schemas.microsoft.com/office/powerpoint/2010/main" val="998272863"/>
       </p:ext>
     </p:extLst>
   </p:cSld>
@@ -3047,111 +4074,154 @@
           <a:chExt cx="0" cy="0"/>
         </a:xfrm>
       </p:grpSpPr>
-      <p:sp>
-        <p:nvSpPr>
-          <p:cNvPr id="2" name="Заголовок 1">
-            <a:extLst>
-              <a:ext uri="{FF2B5EF4-FFF2-40B4-BE49-F238E27FC236}">
-                <a16:creationId xmlns:a16="http://schemas.microsoft.com/office/drawing/2014/main" id="{AC490688-9FE5-402D-92C3-D274FE6722A0}"/>
-              </a:ext>
-            </a:extLst>
-          </p:cNvPr>
-          <p:cNvSpPr>
-            <a:spLocks noGrp="1"/>
-          </p:cNvSpPr>
-          <p:nvPr>
-            <p:ph type="title"/>
-          </p:nvPr>
-        </p:nvSpPr>
-        <p:spPr>
-          <a:xfrm>
-            <a:off x="838200" y="302979"/>
-            <a:ext cx="10515600" cy="1325563"/>
-          </a:xfrm>
-        </p:spPr>
-        <p:txBody>
-          <a:bodyPr/>
-          <a:lstStyle/>
-          <a:p>
-            <a:r>
-              <a:rPr lang="ru-RU" dirty="0"/>
-              <a:t>Проблема</a:t>
-            </a:r>
-          </a:p>
-        </p:txBody>
-      </p:sp>
-      <p:sp>
-        <p:nvSpPr>
-          <p:cNvPr id="3" name="Объект 2">
-            <a:extLst>
-              <a:ext uri="{FF2B5EF4-FFF2-40B4-BE49-F238E27FC236}">
-                <a16:creationId xmlns:a16="http://schemas.microsoft.com/office/drawing/2014/main" id="{167CE06E-B42F-48F3-9A1D-A2B9AE1A0FC4}"/>
-              </a:ext>
-            </a:extLst>
-          </p:cNvPr>
-          <p:cNvSpPr>
-            <a:spLocks noGrp="1"/>
-          </p:cNvSpPr>
-          <p:nvPr>
-            <p:ph idx="1"/>
-          </p:nvPr>
-        </p:nvSpPr>
-        <p:spPr>
-          <a:xfrm>
-            <a:off x="838200" y="1763478"/>
-            <a:ext cx="10515600" cy="5107835"/>
-          </a:xfrm>
-        </p:spPr>
-        <p:txBody>
-          <a:bodyPr>
-            <a:normAutofit/>
-          </a:bodyPr>
-          <a:lstStyle/>
-          <a:p>
-            <a:pPr marL="0" indent="0">
-              <a:buNone/>
-            </a:pPr>
-            <a:r>
-              <a:rPr lang="ru-RU" dirty="0"/>
-              <a:t>В образовательных учреждениях есть необходимость проверять знания с помощью ресурсов в интернете.</a:t>
-            </a:r>
-          </a:p>
-          <a:p>
-            <a:pPr marL="0" indent="0">
-              <a:buNone/>
-            </a:pPr>
-            <a:endParaRPr lang="ru-RU" dirty="0"/>
-          </a:p>
-          <a:p>
-            <a:pPr marL="0" indent="0">
-              <a:buNone/>
-            </a:pPr>
-            <a:r>
-              <a:rPr lang="ru-RU" dirty="0"/>
-              <a:t>Собирать результаты неудобно, а большинство интерфейсов слишком перегружены. Из-за этого повышается порог входа для преподавателей.</a:t>
-            </a:r>
-          </a:p>
-          <a:p>
-            <a:pPr marL="0" indent="0">
-              <a:buNone/>
-            </a:pPr>
-            <a:endParaRPr lang="ru-RU" dirty="0"/>
-          </a:p>
-          <a:p>
-            <a:pPr marL="0" indent="0">
-              <a:buNone/>
-            </a:pPr>
-            <a:r>
-              <a:rPr lang="ru-RU" dirty="0"/>
-              <a:t>Необходимо удобное и достаточно простое для использования технологическое решение, которое позволяет проверять знания и вести учёт результатов.</a:t>
-            </a:r>
-          </a:p>
-        </p:txBody>
-      </p:sp>
+      <p:pic>
+        <p:nvPicPr>
+          <p:cNvPr id="5" name="Рисунок 4">
+            <a:extLst>
+              <a:ext uri="{FF2B5EF4-FFF2-40B4-BE49-F238E27FC236}">
+                <a16:creationId xmlns:a16="http://schemas.microsoft.com/office/drawing/2014/main" id="{6FFB58C9-C0B2-4CB9-8705-713DD58EC178}"/>
+              </a:ext>
+            </a:extLst>
+          </p:cNvPr>
+          <p:cNvPicPr>
+            <a:picLocks noChangeAspect="1"/>
+          </p:cNvPicPr>
+          <p:nvPr/>
+        </p:nvPicPr>
+        <p:blipFill>
+          <a:blip r:embed="rId2">
+            <a:extLst>
+              <a:ext uri="{28A0092B-C50C-407E-A947-70E740481C1C}">
+                <a14:useLocalDpi xmlns:a14="http://schemas.microsoft.com/office/drawing/2010/main" val="0"/>
+              </a:ext>
+            </a:extLst>
+          </a:blip>
+          <a:stretch>
+            <a:fillRect/>
+          </a:stretch>
+        </p:blipFill>
+        <p:spPr>
+          <a:xfrm>
+            <a:off x="2829942" y="2338830"/>
+            <a:ext cx="6532116" cy="2168663"/>
+          </a:xfrm>
+          <a:prstGeom prst="rect">
+            <a:avLst/>
+          </a:prstGeom>
+        </p:spPr>
+      </p:pic>
+      <p:pic>
+        <p:nvPicPr>
+          <p:cNvPr id="9" name="Рисунок 8">
+            <a:extLst>
+              <a:ext uri="{FF2B5EF4-FFF2-40B4-BE49-F238E27FC236}">
+                <a16:creationId xmlns:a16="http://schemas.microsoft.com/office/drawing/2014/main" id="{0959B8A0-8788-4459-8AB7-4CCDB6F399AC}"/>
+              </a:ext>
+            </a:extLst>
+          </p:cNvPr>
+          <p:cNvPicPr>
+            <a:picLocks noChangeAspect="1"/>
+          </p:cNvPicPr>
+          <p:nvPr/>
+        </p:nvPicPr>
+        <p:blipFill>
+          <a:blip r:embed="rId3">
+            <a:extLst>
+              <a:ext uri="{28A0092B-C50C-407E-A947-70E740481C1C}">
+                <a14:useLocalDpi xmlns:a14="http://schemas.microsoft.com/office/drawing/2010/main" val="0"/>
+              </a:ext>
+            </a:extLst>
+          </a:blip>
+          <a:stretch>
+            <a:fillRect/>
+          </a:stretch>
+        </p:blipFill>
+        <p:spPr>
+          <a:xfrm>
+            <a:off x="-1703388" y="-1280437"/>
+            <a:ext cx="3760788" cy="3760788"/>
+          </a:xfrm>
+          <a:prstGeom prst="rect">
+            <a:avLst/>
+          </a:prstGeom>
+        </p:spPr>
+      </p:pic>
+      <p:pic>
+        <p:nvPicPr>
+          <p:cNvPr id="10" name="Рисунок 9">
+            <a:extLst>
+              <a:ext uri="{FF2B5EF4-FFF2-40B4-BE49-F238E27FC236}">
+                <a16:creationId xmlns:a16="http://schemas.microsoft.com/office/drawing/2014/main" id="{2C2CD936-0E8C-4AB4-8A55-128E3D5CFC0C}"/>
+              </a:ext>
+            </a:extLst>
+          </p:cNvPr>
+          <p:cNvPicPr>
+            <a:picLocks noChangeAspect="1"/>
+          </p:cNvPicPr>
+          <p:nvPr/>
+        </p:nvPicPr>
+        <p:blipFill>
+          <a:blip r:embed="rId3">
+            <a:extLst>
+              <a:ext uri="{28A0092B-C50C-407E-A947-70E740481C1C}">
+                <a14:useLocalDpi xmlns:a14="http://schemas.microsoft.com/office/drawing/2010/main" val="0"/>
+              </a:ext>
+            </a:extLst>
+          </a:blip>
+          <a:stretch>
+            <a:fillRect/>
+          </a:stretch>
+        </p:blipFill>
+        <p:spPr>
+          <a:xfrm>
+            <a:off x="-636588" y="4852139"/>
+            <a:ext cx="3760788" cy="3760788"/>
+          </a:xfrm>
+          <a:prstGeom prst="rect">
+            <a:avLst/>
+          </a:prstGeom>
+        </p:spPr>
+      </p:pic>
+      <p:pic>
+        <p:nvPicPr>
+          <p:cNvPr id="11" name="Рисунок 10">
+            <a:extLst>
+              <a:ext uri="{FF2B5EF4-FFF2-40B4-BE49-F238E27FC236}">
+                <a16:creationId xmlns:a16="http://schemas.microsoft.com/office/drawing/2014/main" id="{CAE1DBDC-5D5D-459F-9CCE-EC64FD477F85}"/>
+              </a:ext>
+            </a:extLst>
+          </p:cNvPr>
+          <p:cNvPicPr>
+            <a:picLocks noChangeAspect="1"/>
+          </p:cNvPicPr>
+          <p:nvPr/>
+        </p:nvPicPr>
+        <p:blipFill>
+          <a:blip r:embed="rId3">
+            <a:extLst>
+              <a:ext uri="{28A0092B-C50C-407E-A947-70E740481C1C}">
+                <a14:useLocalDpi xmlns:a14="http://schemas.microsoft.com/office/drawing/2010/main" val="0"/>
+              </a:ext>
+            </a:extLst>
+          </a:blip>
+          <a:stretch>
+            <a:fillRect/>
+          </a:stretch>
+        </p:blipFill>
+        <p:spPr>
+          <a:xfrm>
+            <a:off x="10463784" y="-139230"/>
+            <a:ext cx="3760788" cy="3760788"/>
+          </a:xfrm>
+          <a:prstGeom prst="rect">
+            <a:avLst/>
+          </a:prstGeom>
+        </p:spPr>
+      </p:pic>
     </p:spTree>
     <p:extLst>
       <p:ext uri="{BB962C8B-B14F-4D97-AF65-F5344CB8AC3E}">
-        <p14:creationId xmlns:p14="http://schemas.microsoft.com/office/powerpoint/2010/main" val="77088398"/>
+        <p14:creationId xmlns:p14="http://schemas.microsoft.com/office/powerpoint/2010/main" val="391909742"/>
       </p:ext>
     </p:extLst>
   </p:cSld>
@@ -3178,42 +4248,6 @@
           <a:chExt cx="0" cy="0"/>
         </a:xfrm>
       </p:grpSpPr>
-      <p:pic>
-        <p:nvPicPr>
-          <p:cNvPr id="4" name="Рисунок 3">
-            <a:extLst>
-              <a:ext uri="{FF2B5EF4-FFF2-40B4-BE49-F238E27FC236}">
-                <a16:creationId xmlns:a16="http://schemas.microsoft.com/office/drawing/2014/main" id="{91A97AE8-F112-4E1B-888C-755D863CC829}"/>
-              </a:ext>
-            </a:extLst>
-          </p:cNvPr>
-          <p:cNvPicPr>
-            <a:picLocks noChangeAspect="1"/>
-          </p:cNvPicPr>
-          <p:nvPr/>
-        </p:nvPicPr>
-        <p:blipFill>
-          <a:blip r:embed="rId2">
-            <a:extLst>
-              <a:ext uri="{28A0092B-C50C-407E-A947-70E740481C1C}">
-                <a14:useLocalDpi xmlns:a14="http://schemas.microsoft.com/office/drawing/2010/main" val="0"/>
-              </a:ext>
-            </a:extLst>
-          </a:blip>
-          <a:stretch>
-            <a:fillRect/>
-          </a:stretch>
-        </p:blipFill>
-        <p:spPr>
-          <a:xfrm>
-            <a:off x="-531536" y="302979"/>
-            <a:ext cx="3760788" cy="3760788"/>
-          </a:xfrm>
-          <a:prstGeom prst="rect">
-            <a:avLst/>
-          </a:prstGeom>
-        </p:spPr>
-      </p:pic>
       <p:sp>
         <p:nvSpPr>
           <p:cNvPr id="2" name="Заголовок 1">
@@ -3242,7 +4276,7 @@
           <a:p>
             <a:r>
               <a:rPr lang="ru-RU" dirty="0"/>
-              <a:t>Решение</a:t>
+              <a:t>Проблема</a:t>
             </a:r>
           </a:p>
         </p:txBody>
@@ -3279,12 +4313,8 @@
               <a:buNone/>
             </a:pPr>
             <a:r>
-              <a:rPr lang="en-US" dirty="0"/>
-              <a:t>Chekker</a:t>
-            </a:r>
-            <a:r>
               <a:rPr lang="ru-RU" dirty="0"/>
-              <a:t> — платформа для проверки знаний с помощью тестов. </a:t>
+              <a:t>В образовательных учреждениях есть необходимость проверять знания с помощью ресурсов в интернете.</a:t>
             </a:r>
           </a:p>
           <a:p>
@@ -3299,15 +4329,7 @@
             </a:pPr>
             <a:r>
               <a:rPr lang="ru-RU" dirty="0"/>
-              <a:t>В </a:t>
-            </a:r>
-            <a:r>
-              <a:rPr lang="ru-RU" dirty="0" err="1"/>
-              <a:t>Чеккере</a:t>
-            </a:r>
-            <a:r>
-              <a:rPr lang="ru-RU" dirty="0"/>
-              <a:t> есть работы, состоящие из вопросов. Ответ необходимо дать либо вписав его в поле, либо выбрав один или несколько из списка. </a:t>
+              <a:t>Собирать результаты неудобно, а большинство интерфейсов слишком перегружены. Из-за этого повышается порог входа для преподавателей.</a:t>
             </a:r>
           </a:p>
           <a:p>
@@ -3322,7 +4344,7 @@
             </a:pPr>
             <a:r>
               <a:rPr lang="ru-RU" dirty="0"/>
-              <a:t>Работа проверяется автоматически. Все результаты мгновенно становятся доступны учителю, а в определённый момент правильные ответы становятся доступны ученику.</a:t>
+              <a:t>Необходимо удобное и достаточно простое для использования технологическое решение, которое позволяет проверять знания и вести учёт результатов.</a:t>
             </a:r>
           </a:p>
         </p:txBody>
@@ -3330,7 +4352,7 @@
     </p:spTree>
     <p:extLst>
       <p:ext uri="{BB962C8B-B14F-4D97-AF65-F5344CB8AC3E}">
-        <p14:creationId xmlns:p14="http://schemas.microsoft.com/office/powerpoint/2010/main" val="1700709953"/>
+        <p14:creationId xmlns:p14="http://schemas.microsoft.com/office/powerpoint/2010/main" val="77088398"/>
       </p:ext>
     </p:extLst>
   </p:cSld>
@@ -3359,10 +4381,10 @@
       </p:grpSpPr>
       <p:pic>
         <p:nvPicPr>
-          <p:cNvPr id="3" name="Рисунок 2">
-            <a:extLst>
-              <a:ext uri="{FF2B5EF4-FFF2-40B4-BE49-F238E27FC236}">
-                <a16:creationId xmlns:a16="http://schemas.microsoft.com/office/drawing/2014/main" id="{6E53964B-D15A-45E2-B2FD-D0C39F474BF6}"/>
+          <p:cNvPr id="4" name="Рисунок 3">
+            <a:extLst>
+              <a:ext uri="{FF2B5EF4-FFF2-40B4-BE49-F238E27FC236}">
+                <a16:creationId xmlns:a16="http://schemas.microsoft.com/office/drawing/2014/main" id="{91A97AE8-F112-4E1B-888C-755D863CC829}"/>
               </a:ext>
             </a:extLst>
           </p:cNvPr>
@@ -3372,25 +4394,144 @@
           <p:nvPr/>
         </p:nvPicPr>
         <p:blipFill>
-          <a:blip r:embed="rId2"/>
+          <a:blip r:embed="rId2">
+            <a:extLst>
+              <a:ext uri="{28A0092B-C50C-407E-A947-70E740481C1C}">
+                <a14:useLocalDpi xmlns:a14="http://schemas.microsoft.com/office/drawing/2010/main" val="0"/>
+              </a:ext>
+            </a:extLst>
+          </a:blip>
           <a:stretch>
             <a:fillRect/>
           </a:stretch>
         </p:blipFill>
         <p:spPr>
           <a:xfrm>
-            <a:off x="0" y="0"/>
-            <a:ext cx="12192000" cy="8102600"/>
+            <a:off x="-531536" y="302979"/>
+            <a:ext cx="3760788" cy="3760788"/>
           </a:xfrm>
           <a:prstGeom prst="rect">
             <a:avLst/>
           </a:prstGeom>
         </p:spPr>
       </p:pic>
+      <p:sp>
+        <p:nvSpPr>
+          <p:cNvPr id="2" name="Заголовок 1">
+            <a:extLst>
+              <a:ext uri="{FF2B5EF4-FFF2-40B4-BE49-F238E27FC236}">
+                <a16:creationId xmlns:a16="http://schemas.microsoft.com/office/drawing/2014/main" id="{AC490688-9FE5-402D-92C3-D274FE6722A0}"/>
+              </a:ext>
+            </a:extLst>
+          </p:cNvPr>
+          <p:cNvSpPr>
+            <a:spLocks noGrp="1"/>
+          </p:cNvSpPr>
+          <p:nvPr>
+            <p:ph type="title"/>
+          </p:nvPr>
+        </p:nvSpPr>
+        <p:spPr>
+          <a:xfrm>
+            <a:off x="838200" y="302979"/>
+            <a:ext cx="10515600" cy="1325563"/>
+          </a:xfrm>
+        </p:spPr>
+        <p:txBody>
+          <a:bodyPr/>
+          <a:lstStyle/>
+          <a:p>
+            <a:r>
+              <a:rPr lang="ru-RU" dirty="0"/>
+              <a:t>Решение</a:t>
+            </a:r>
+          </a:p>
+        </p:txBody>
+      </p:sp>
+      <p:sp>
+        <p:nvSpPr>
+          <p:cNvPr id="3" name="Объект 2">
+            <a:extLst>
+              <a:ext uri="{FF2B5EF4-FFF2-40B4-BE49-F238E27FC236}">
+                <a16:creationId xmlns:a16="http://schemas.microsoft.com/office/drawing/2014/main" id="{167CE06E-B42F-48F3-9A1D-A2B9AE1A0FC4}"/>
+              </a:ext>
+            </a:extLst>
+          </p:cNvPr>
+          <p:cNvSpPr>
+            <a:spLocks noGrp="1"/>
+          </p:cNvSpPr>
+          <p:nvPr>
+            <p:ph idx="1"/>
+          </p:nvPr>
+        </p:nvSpPr>
+        <p:spPr>
+          <a:xfrm>
+            <a:off x="838200" y="1763478"/>
+            <a:ext cx="10515600" cy="5107835"/>
+          </a:xfrm>
+        </p:spPr>
+        <p:txBody>
+          <a:bodyPr>
+            <a:normAutofit/>
+          </a:bodyPr>
+          <a:lstStyle/>
+          <a:p>
+            <a:pPr marL="0" indent="0">
+              <a:buNone/>
+            </a:pPr>
+            <a:r>
+              <a:rPr lang="en-US" dirty="0"/>
+              <a:t>Chekker</a:t>
+            </a:r>
+            <a:r>
+              <a:rPr lang="ru-RU" dirty="0"/>
+              <a:t> — платформа для проверки знаний с помощью тестов. </a:t>
+            </a:r>
+          </a:p>
+          <a:p>
+            <a:pPr marL="0" indent="0">
+              <a:buNone/>
+            </a:pPr>
+            <a:endParaRPr lang="ru-RU" dirty="0"/>
+          </a:p>
+          <a:p>
+            <a:pPr marL="0" indent="0">
+              <a:buNone/>
+            </a:pPr>
+            <a:r>
+              <a:rPr lang="ru-RU" dirty="0"/>
+              <a:t>В </a:t>
+            </a:r>
+            <a:r>
+              <a:rPr lang="ru-RU" dirty="0" err="1"/>
+              <a:t>Чеккере</a:t>
+            </a:r>
+            <a:r>
+              <a:rPr lang="ru-RU" dirty="0"/>
+              <a:t> есть работы, состоящие из вопросов. Ответ необходимо дать либо вписав его в поле, либо выбрав один или несколько из списка. </a:t>
+            </a:r>
+          </a:p>
+          <a:p>
+            <a:pPr marL="0" indent="0">
+              <a:buNone/>
+            </a:pPr>
+            <a:endParaRPr lang="ru-RU" dirty="0"/>
+          </a:p>
+          <a:p>
+            <a:pPr marL="0" indent="0">
+              <a:buNone/>
+            </a:pPr>
+            <a:r>
+              <a:rPr lang="ru-RU" dirty="0"/>
+              <a:t>Работа проверяется автоматически. Все результаты мгновенно становятся доступны учителю, а в определённый момент правильные ответы становятся доступны ученику.</a:t>
+            </a:r>
+          </a:p>
+        </p:txBody>
+      </p:sp>
     </p:spTree>
     <p:extLst>
       <p:ext uri="{BB962C8B-B14F-4D97-AF65-F5344CB8AC3E}">
-        <p14:creationId xmlns:p14="http://schemas.microsoft.com/office/powerpoint/2010/main" val="345712041"/>
+        <p14:creationId xmlns:p14="http://schemas.microsoft.com/office/powerpoint/2010/main" val="1700709953"/>
       </p:ext>
     </p:extLst>
   </p:cSld>
@@ -3417,104 +4558,114 @@
           <a:chExt cx="0" cy="0"/>
         </a:xfrm>
       </p:grpSpPr>
-      <p:pic>
-        <p:nvPicPr>
-          <p:cNvPr id="1026" name="Picture 2">
-            <a:extLst>
-              <a:ext uri="{FF2B5EF4-FFF2-40B4-BE49-F238E27FC236}">
-                <a16:creationId xmlns:a16="http://schemas.microsoft.com/office/drawing/2014/main" id="{8CEA8A9E-A590-4762-8769-1051A1B0816E}"/>
-              </a:ext>
-            </a:extLst>
-          </p:cNvPr>
-          <p:cNvPicPr>
-            <a:picLocks noChangeAspect="1" noChangeArrowheads="1"/>
-          </p:cNvPicPr>
-          <p:nvPr/>
-        </p:nvPicPr>
-        <p:blipFill>
-          <a:blip r:embed="rId2">
-            <a:extLst>
-              <a:ext uri="{28A0092B-C50C-407E-A947-70E740481C1C}">
-                <a14:useLocalDpi xmlns:a14="http://schemas.microsoft.com/office/drawing/2010/main" val="0"/>
-              </a:ext>
-            </a:extLst>
-          </a:blip>
-          <a:srcRect/>
-          <a:stretch>
-            <a:fillRect/>
-          </a:stretch>
-        </p:blipFill>
-        <p:spPr bwMode="auto">
-          <a:xfrm>
-            <a:off x="260288" y="0"/>
-            <a:ext cx="6272213" cy="6858000"/>
-          </a:xfrm>
-          <a:prstGeom prst="rect">
-            <a:avLst/>
-          </a:prstGeom>
-          <a:noFill/>
-          <a:extLst>
-            <a:ext uri="{909E8E84-426E-40DD-AFC4-6F175D3DCCD1}">
-              <a14:hiddenFill xmlns:a14="http://schemas.microsoft.com/office/drawing/2010/main">
-                <a:solidFill>
-                  <a:srgbClr val="FFFFFF"/>
-                </a:solidFill>
-              </a14:hiddenFill>
-            </a:ext>
-          </a:extLst>
-        </p:spPr>
-      </p:pic>
-      <p:pic>
-        <p:nvPicPr>
-          <p:cNvPr id="1028" name="Picture 4">
-            <a:extLst>
-              <a:ext uri="{FF2B5EF4-FFF2-40B4-BE49-F238E27FC236}">
-                <a16:creationId xmlns:a16="http://schemas.microsoft.com/office/drawing/2014/main" id="{F6EB8462-57FD-448A-828D-EA157B9E2F89}"/>
-              </a:ext>
-            </a:extLst>
-          </p:cNvPr>
-          <p:cNvPicPr>
-            <a:picLocks noChangeAspect="1" noChangeArrowheads="1"/>
-          </p:cNvPicPr>
-          <p:nvPr/>
-        </p:nvPicPr>
-        <p:blipFill>
-          <a:blip r:embed="rId3">
-            <a:extLst>
-              <a:ext uri="{28A0092B-C50C-407E-A947-70E740481C1C}">
-                <a14:useLocalDpi xmlns:a14="http://schemas.microsoft.com/office/drawing/2010/main" val="0"/>
-              </a:ext>
-            </a:extLst>
-          </a:blip>
-          <a:srcRect/>
-          <a:stretch>
-            <a:fillRect/>
-          </a:stretch>
-        </p:blipFill>
-        <p:spPr bwMode="auto">
-          <a:xfrm>
-            <a:off x="6532501" y="-79899"/>
-            <a:ext cx="5081587" cy="6858000"/>
-          </a:xfrm>
-          <a:prstGeom prst="rect">
-            <a:avLst/>
-          </a:prstGeom>
-          <a:noFill/>
-          <a:extLst>
-            <a:ext uri="{909E8E84-426E-40DD-AFC4-6F175D3DCCD1}">
-              <a14:hiddenFill xmlns:a14="http://schemas.microsoft.com/office/drawing/2010/main">
-                <a:solidFill>
-                  <a:srgbClr val="FFFFFF"/>
-                </a:solidFill>
-              </a14:hiddenFill>
-            </a:ext>
-          </a:extLst>
-        </p:spPr>
-      </p:pic>
+      <p:sp>
+        <p:nvSpPr>
+          <p:cNvPr id="2" name="Заголовок 1">
+            <a:extLst>
+              <a:ext uri="{FF2B5EF4-FFF2-40B4-BE49-F238E27FC236}">
+                <a16:creationId xmlns:a16="http://schemas.microsoft.com/office/drawing/2014/main" id="{AC490688-9FE5-402D-92C3-D274FE6722A0}"/>
+              </a:ext>
+            </a:extLst>
+          </p:cNvPr>
+          <p:cNvSpPr>
+            <a:spLocks noGrp="1"/>
+          </p:cNvSpPr>
+          <p:nvPr>
+            <p:ph type="title"/>
+          </p:nvPr>
+        </p:nvSpPr>
+        <p:spPr>
+          <a:xfrm>
+            <a:off x="838200" y="302979"/>
+            <a:ext cx="10515600" cy="1325563"/>
+          </a:xfrm>
+        </p:spPr>
+        <p:txBody>
+          <a:bodyPr/>
+          <a:lstStyle/>
+          <a:p>
+            <a:r>
+              <a:rPr lang="ru-RU" dirty="0"/>
+              <a:t>Как работать</a:t>
+            </a:r>
+          </a:p>
+        </p:txBody>
+      </p:sp>
+      <p:sp>
+        <p:nvSpPr>
+          <p:cNvPr id="3" name="Объект 2">
+            <a:extLst>
+              <a:ext uri="{FF2B5EF4-FFF2-40B4-BE49-F238E27FC236}">
+                <a16:creationId xmlns:a16="http://schemas.microsoft.com/office/drawing/2014/main" id="{167CE06E-B42F-48F3-9A1D-A2B9AE1A0FC4}"/>
+              </a:ext>
+            </a:extLst>
+          </p:cNvPr>
+          <p:cNvSpPr>
+            <a:spLocks noGrp="1"/>
+          </p:cNvSpPr>
+          <p:nvPr>
+            <p:ph idx="1"/>
+          </p:nvPr>
+        </p:nvSpPr>
+        <p:spPr>
+          <a:xfrm>
+            <a:off x="838200" y="1763478"/>
+            <a:ext cx="10515600" cy="5107835"/>
+          </a:xfrm>
+        </p:spPr>
+        <p:txBody>
+          <a:bodyPr>
+            <a:normAutofit/>
+          </a:bodyPr>
+          <a:lstStyle/>
+          <a:p>
+            <a:pPr marL="514350" indent="-514350">
+              <a:buAutoNum type="arabicPeriod"/>
+            </a:pPr>
+            <a:r>
+              <a:rPr lang="ru-RU" dirty="0"/>
+              <a:t>Преподаватель создаёт тесты на определённую тему, создаёт вопросы и правильные ответы на них;</a:t>
+            </a:r>
+          </a:p>
+          <a:p>
+            <a:pPr marL="514350" indent="-514350">
+              <a:buAutoNum type="arabicPeriod"/>
+            </a:pPr>
+            <a:r>
+              <a:rPr lang="ru-RU" dirty="0"/>
+              <a:t>Ученики самостоятельно решают задачи и вводят ответы;</a:t>
+            </a:r>
+          </a:p>
+          <a:p>
+            <a:pPr marL="514350" indent="-514350">
+              <a:buAutoNum type="arabicPeriod"/>
+            </a:pPr>
+            <a:r>
+              <a:rPr lang="ru-RU" dirty="0"/>
+              <a:t>Все решения автоматически проверяются, а в таблицу выставляются баллы за тест;</a:t>
+            </a:r>
+          </a:p>
+          <a:p>
+            <a:pPr marL="514350" indent="-514350">
+              <a:buAutoNum type="arabicPeriod"/>
+            </a:pPr>
+            <a:r>
+              <a:rPr lang="ru-RU" dirty="0"/>
+              <a:t>Преподаватель анализирует результаты и выставляет оценки.</a:t>
+            </a:r>
+          </a:p>
+          <a:p>
+            <a:pPr marL="514350" indent="-514350">
+              <a:buAutoNum type="arabicPeriod"/>
+            </a:pPr>
+            <a:endParaRPr lang="ru-RU" dirty="0"/>
+          </a:p>
+        </p:txBody>
+      </p:sp>
     </p:spTree>
     <p:extLst>
       <p:ext uri="{BB962C8B-B14F-4D97-AF65-F5344CB8AC3E}">
-        <p14:creationId xmlns:p14="http://schemas.microsoft.com/office/powerpoint/2010/main" val="1431528286"/>
+        <p14:creationId xmlns:p14="http://schemas.microsoft.com/office/powerpoint/2010/main" val="3258561402"/>
       </p:ext>
     </p:extLst>
   </p:cSld>
@@ -3543,10 +4694,10 @@
       </p:grpSpPr>
       <p:pic>
         <p:nvPicPr>
-          <p:cNvPr id="5" name="Рисунок 4">
-            <a:extLst>
-              <a:ext uri="{FF2B5EF4-FFF2-40B4-BE49-F238E27FC236}">
-                <a16:creationId xmlns:a16="http://schemas.microsoft.com/office/drawing/2014/main" id="{09446C7E-D844-4DC1-8481-1F3EB2E97EC0}"/>
+          <p:cNvPr id="3" name="Рисунок 2">
+            <a:extLst>
+              <a:ext uri="{FF2B5EF4-FFF2-40B4-BE49-F238E27FC236}">
+                <a16:creationId xmlns:a16="http://schemas.microsoft.com/office/drawing/2014/main" id="{6E53964B-D15A-45E2-B2FD-D0C39F474BF6}"/>
               </a:ext>
             </a:extLst>
           </p:cNvPr>
@@ -3564,7 +4715,7 @@
         <p:spPr>
           <a:xfrm>
             <a:off x="0" y="0"/>
-            <a:ext cx="12192000" cy="6305550"/>
+            <a:ext cx="12192000" cy="8102600"/>
           </a:xfrm>
           <a:prstGeom prst="rect">
             <a:avLst/>
@@ -3574,7 +4725,7 @@
     </p:spTree>
     <p:extLst>
       <p:ext uri="{BB962C8B-B14F-4D97-AF65-F5344CB8AC3E}">
-        <p14:creationId xmlns:p14="http://schemas.microsoft.com/office/powerpoint/2010/main" val="2058518326"/>
+        <p14:creationId xmlns:p14="http://schemas.microsoft.com/office/powerpoint/2010/main" val="345712041"/>
       </p:ext>
     </p:extLst>
   </p:cSld>
@@ -3603,68 +4754,102 @@
       </p:grpSpPr>
       <p:pic>
         <p:nvPicPr>
-          <p:cNvPr id="7" name="Рисунок 6">
-            <a:extLst>
-              <a:ext uri="{FF2B5EF4-FFF2-40B4-BE49-F238E27FC236}">
-                <a16:creationId xmlns:a16="http://schemas.microsoft.com/office/drawing/2014/main" id="{58D65BA6-BD62-4455-8F3C-F3747A271C54}"/>
+          <p:cNvPr id="1026" name="Picture 2">
+            <a:extLst>
+              <a:ext uri="{FF2B5EF4-FFF2-40B4-BE49-F238E27FC236}">
+                <a16:creationId xmlns:a16="http://schemas.microsoft.com/office/drawing/2014/main" id="{8CEA8A9E-A590-4762-8769-1051A1B0816E}"/>
               </a:ext>
             </a:extLst>
           </p:cNvPr>
           <p:cNvPicPr>
-            <a:picLocks noChangeAspect="1"/>
+            <a:picLocks noChangeAspect="1" noChangeArrowheads="1"/>
           </p:cNvPicPr>
           <p:nvPr/>
         </p:nvPicPr>
         <p:blipFill>
-          <a:blip r:embed="rId2"/>
+          <a:blip r:embed="rId2">
+            <a:extLst>
+              <a:ext uri="{28A0092B-C50C-407E-A947-70E740481C1C}">
+                <a14:useLocalDpi xmlns:a14="http://schemas.microsoft.com/office/drawing/2010/main" val="0"/>
+              </a:ext>
+            </a:extLst>
+          </a:blip>
+          <a:srcRect/>
           <a:stretch>
             <a:fillRect/>
           </a:stretch>
         </p:blipFill>
-        <p:spPr>
-          <a:xfrm>
-            <a:off x="5500005" y="490126"/>
-            <a:ext cx="6554115" cy="5877745"/>
+        <p:spPr bwMode="auto">
+          <a:xfrm>
+            <a:off x="260288" y="0"/>
+            <a:ext cx="6272213" cy="6858000"/>
           </a:xfrm>
           <a:prstGeom prst="rect">
             <a:avLst/>
           </a:prstGeom>
+          <a:noFill/>
+          <a:extLst>
+            <a:ext uri="{909E8E84-426E-40DD-AFC4-6F175D3DCCD1}">
+              <a14:hiddenFill xmlns:a14="http://schemas.microsoft.com/office/drawing/2010/main">
+                <a:solidFill>
+                  <a:srgbClr val="FFFFFF"/>
+                </a:solidFill>
+              </a14:hiddenFill>
+            </a:ext>
+          </a:extLst>
         </p:spPr>
       </p:pic>
       <p:pic>
         <p:nvPicPr>
-          <p:cNvPr id="9" name="Рисунок 8">
-            <a:extLst>
-              <a:ext uri="{FF2B5EF4-FFF2-40B4-BE49-F238E27FC236}">
-                <a16:creationId xmlns:a16="http://schemas.microsoft.com/office/drawing/2014/main" id="{EDBEC15C-F94E-4225-B553-7B693997D4C3}"/>
+          <p:cNvPr id="1028" name="Picture 4">
+            <a:extLst>
+              <a:ext uri="{FF2B5EF4-FFF2-40B4-BE49-F238E27FC236}">
+                <a16:creationId xmlns:a16="http://schemas.microsoft.com/office/drawing/2014/main" id="{F6EB8462-57FD-448A-828D-EA157B9E2F89}"/>
               </a:ext>
             </a:extLst>
           </p:cNvPr>
           <p:cNvPicPr>
-            <a:picLocks noChangeAspect="1"/>
+            <a:picLocks noChangeAspect="1" noChangeArrowheads="1"/>
           </p:cNvPicPr>
           <p:nvPr/>
         </p:nvPicPr>
         <p:blipFill>
-          <a:blip r:embed="rId3"/>
+          <a:blip r:embed="rId3">
+            <a:extLst>
+              <a:ext uri="{28A0092B-C50C-407E-A947-70E740481C1C}">
+                <a14:useLocalDpi xmlns:a14="http://schemas.microsoft.com/office/drawing/2010/main" val="0"/>
+              </a:ext>
+            </a:extLst>
+          </a:blip>
+          <a:srcRect/>
           <a:stretch>
             <a:fillRect/>
           </a:stretch>
         </p:blipFill>
-        <p:spPr>
-          <a:xfrm>
-            <a:off x="396542" y="966443"/>
-            <a:ext cx="5715798" cy="4925112"/>
+        <p:spPr bwMode="auto">
+          <a:xfrm>
+            <a:off x="6532501" y="-79899"/>
+            <a:ext cx="5081587" cy="6858000"/>
           </a:xfrm>
           <a:prstGeom prst="rect">
             <a:avLst/>
           </a:prstGeom>
+          <a:noFill/>
+          <a:extLst>
+            <a:ext uri="{909E8E84-426E-40DD-AFC4-6F175D3DCCD1}">
+              <a14:hiddenFill xmlns:a14="http://schemas.microsoft.com/office/drawing/2010/main">
+                <a:solidFill>
+                  <a:srgbClr val="FFFFFF"/>
+                </a:solidFill>
+              </a14:hiddenFill>
+            </a:ext>
+          </a:extLst>
         </p:spPr>
       </p:pic>
     </p:spTree>
     <p:extLst>
       <p:ext uri="{BB962C8B-B14F-4D97-AF65-F5344CB8AC3E}">
-        <p14:creationId xmlns:p14="http://schemas.microsoft.com/office/powerpoint/2010/main" val="1484086422"/>
+        <p14:creationId xmlns:p14="http://schemas.microsoft.com/office/powerpoint/2010/main" val="1431528286"/>
       </p:ext>
     </p:extLst>
   </p:cSld>
@@ -3696,65 +4881,7 @@
           <p:cNvPr id="5" name="Рисунок 4">
             <a:extLst>
               <a:ext uri="{FF2B5EF4-FFF2-40B4-BE49-F238E27FC236}">
-                <a16:creationId xmlns:a16="http://schemas.microsoft.com/office/drawing/2014/main" id="{7A99EF47-1F3C-4661-B2FA-E4B2562DFEC9}"/>
-              </a:ext>
-            </a:extLst>
-          </p:cNvPr>
-          <p:cNvPicPr>
-            <a:picLocks noChangeAspect="1"/>
-          </p:cNvPicPr>
-          <p:nvPr/>
-        </p:nvPicPr>
-        <p:blipFill rotWithShape="1">
-          <a:blip r:embed="rId2"/>
-          <a:srcRect r="29604"/>
-          <a:stretch/>
-        </p:blipFill>
-        <p:spPr>
-          <a:xfrm>
-            <a:off x="198955" y="0"/>
-            <a:ext cx="4790295" cy="6858000"/>
-          </a:xfrm>
-          <a:prstGeom prst="rect">
-            <a:avLst/>
-          </a:prstGeom>
-        </p:spPr>
-      </p:pic>
-      <p:pic>
-        <p:nvPicPr>
-          <p:cNvPr id="7" name="Рисунок 6">
-            <a:extLst>
-              <a:ext uri="{FF2B5EF4-FFF2-40B4-BE49-F238E27FC236}">
-                <a16:creationId xmlns:a16="http://schemas.microsoft.com/office/drawing/2014/main" id="{C1469BD2-B82C-4E49-A97D-9E2CF5CFD682}"/>
-              </a:ext>
-            </a:extLst>
-          </p:cNvPr>
-          <p:cNvPicPr>
-            <a:picLocks noChangeAspect="1"/>
-          </p:cNvPicPr>
-          <p:nvPr/>
-        </p:nvPicPr>
-        <p:blipFill rotWithShape="1">
-          <a:blip r:embed="rId3"/>
-          <a:srcRect t="17273" b="16172"/>
-          <a:stretch/>
-        </p:blipFill>
-        <p:spPr>
-          <a:xfrm>
-            <a:off x="5363055" y="301841"/>
-            <a:ext cx="6302534" cy="3488925"/>
-          </a:xfrm>
-          <a:prstGeom prst="rect">
-            <a:avLst/>
-          </a:prstGeom>
-        </p:spPr>
-      </p:pic>
-      <p:pic>
-        <p:nvPicPr>
-          <p:cNvPr id="9" name="Рисунок 8">
-            <a:extLst>
-              <a:ext uri="{FF2B5EF4-FFF2-40B4-BE49-F238E27FC236}">
-                <a16:creationId xmlns:a16="http://schemas.microsoft.com/office/drawing/2014/main" id="{3AD75CBD-4C09-4968-8B13-4431937A6F17}"/>
+                <a16:creationId xmlns:a16="http://schemas.microsoft.com/office/drawing/2014/main" id="{09446C7E-D844-4DC1-8481-1F3EB2E97EC0}"/>
               </a:ext>
             </a:extLst>
           </p:cNvPr>
@@ -3764,15 +4891,15 @@
           <p:nvPr/>
         </p:nvPicPr>
         <p:blipFill>
-          <a:blip r:embed="rId4"/>
+          <a:blip r:embed="rId2"/>
           <a:stretch>
             <a:fillRect/>
           </a:stretch>
         </p:blipFill>
         <p:spPr>
           <a:xfrm>
-            <a:off x="5363055" y="3790766"/>
-            <a:ext cx="4672262" cy="2992691"/>
+            <a:off x="0" y="0"/>
+            <a:ext cx="12192000" cy="6305550"/>
           </a:xfrm>
           <a:prstGeom prst="rect">
             <a:avLst/>
@@ -3782,7 +4909,7 @@
     </p:spTree>
     <p:extLst>
       <p:ext uri="{BB962C8B-B14F-4D97-AF65-F5344CB8AC3E}">
-        <p14:creationId xmlns:p14="http://schemas.microsoft.com/office/powerpoint/2010/main" val="1381910388"/>
+        <p14:creationId xmlns:p14="http://schemas.microsoft.com/office/powerpoint/2010/main" val="2058518326"/>
       </p:ext>
     </p:extLst>
   </p:cSld>
@@ -3811,10 +4938,10 @@
       </p:grpSpPr>
       <p:pic>
         <p:nvPicPr>
-          <p:cNvPr id="5" name="Рисунок 4">
-            <a:extLst>
-              <a:ext uri="{FF2B5EF4-FFF2-40B4-BE49-F238E27FC236}">
-                <a16:creationId xmlns:a16="http://schemas.microsoft.com/office/drawing/2014/main" id="{B8BAFFA3-B718-41D0-93A1-3E846DDF96A1}"/>
+          <p:cNvPr id="7" name="Рисунок 6">
+            <a:extLst>
+              <a:ext uri="{FF2B5EF4-FFF2-40B4-BE49-F238E27FC236}">
+                <a16:creationId xmlns:a16="http://schemas.microsoft.com/office/drawing/2014/main" id="{58D65BA6-BD62-4455-8F3C-F3747A271C54}"/>
               </a:ext>
             </a:extLst>
           </p:cNvPr>
@@ -3823,15 +4950,46 @@
           </p:cNvPicPr>
           <p:nvPr/>
         </p:nvPicPr>
-        <p:blipFill rotWithShape="1">
+        <p:blipFill>
           <a:blip r:embed="rId2"/>
-          <a:srcRect t="13204" b="13269"/>
-          <a:stretch/>
+          <a:stretch>
+            <a:fillRect/>
+          </a:stretch>
         </p:blipFill>
         <p:spPr>
           <a:xfrm>
-            <a:off x="0" y="0"/>
-            <a:ext cx="13566342" cy="11304995"/>
+            <a:off x="5500005" y="490126"/>
+            <a:ext cx="6554115" cy="5877745"/>
+          </a:xfrm>
+          <a:prstGeom prst="rect">
+            <a:avLst/>
+          </a:prstGeom>
+        </p:spPr>
+      </p:pic>
+      <p:pic>
+        <p:nvPicPr>
+          <p:cNvPr id="9" name="Рисунок 8">
+            <a:extLst>
+              <a:ext uri="{FF2B5EF4-FFF2-40B4-BE49-F238E27FC236}">
+                <a16:creationId xmlns:a16="http://schemas.microsoft.com/office/drawing/2014/main" id="{EDBEC15C-F94E-4225-B553-7B693997D4C3}"/>
+              </a:ext>
+            </a:extLst>
+          </p:cNvPr>
+          <p:cNvPicPr>
+            <a:picLocks noChangeAspect="1"/>
+          </p:cNvPicPr>
+          <p:nvPr/>
+        </p:nvPicPr>
+        <p:blipFill>
+          <a:blip r:embed="rId3"/>
+          <a:stretch>
+            <a:fillRect/>
+          </a:stretch>
+        </p:blipFill>
+        <p:spPr>
+          <a:xfrm>
+            <a:off x="396542" y="966443"/>
+            <a:ext cx="5715798" cy="4925112"/>
           </a:xfrm>
           <a:prstGeom prst="rect">
             <a:avLst/>
@@ -3841,7 +4999,7 @@
     </p:spTree>
     <p:extLst>
       <p:ext uri="{BB962C8B-B14F-4D97-AF65-F5344CB8AC3E}">
-        <p14:creationId xmlns:p14="http://schemas.microsoft.com/office/powerpoint/2010/main" val="1540763394"/>
+        <p14:creationId xmlns:p14="http://schemas.microsoft.com/office/powerpoint/2010/main" val="1484086422"/>
       </p:ext>
     </p:extLst>
   </p:cSld>
